--- a/wbc_overview.pptx
+++ b/wbc_overview.pptx
@@ -2,18 +2,18 @@
 <file path=ppt/presentation.xml><?xml version="1.0" encoding="utf-8"?>
 <p:presentation xmlns:a="http://schemas.openxmlformats.org/drawingml/2006/main" xmlns:r="http://schemas.openxmlformats.org/officeDocument/2006/relationships" xmlns:p="http://schemas.openxmlformats.org/presentationml/2006/main" saveSubsetFonts="1">
   <p:sldMasterIdLst>
-    <p:sldMasterId id="2147483648" r:id="rId1"/>
+    <p:sldMasterId id="2147483660" r:id="rId1"/>
   </p:sldMasterIdLst>
   <p:sldIdLst>
     <p:sldId id="256" r:id="rId2"/>
   </p:sldIdLst>
-  <p:sldSz cx="12192000" cy="6858000"/>
+  <p:sldSz cx="12960350" cy="6858000"/>
   <p:notesSz cx="6858000" cy="9144000"/>
   <p:defaultTextStyle>
     <a:defPPr>
-      <a:defRPr lang="de-DE"/>
+      <a:defRPr lang="en-US"/>
     </a:defPPr>
-    <a:lvl1pPr marL="0" algn="l" defTabSz="914400" rtl="0" eaLnBrk="1" latinLnBrk="0" hangingPunct="1">
+    <a:lvl1pPr marL="0" algn="l" defTabSz="457200" rtl="0" eaLnBrk="1" latinLnBrk="0" hangingPunct="1">
       <a:defRPr sz="1800" kern="1200">
         <a:solidFill>
           <a:schemeClr val="tx1"/>
@@ -23,7 +23,7 @@
         <a:cs typeface="+mn-cs"/>
       </a:defRPr>
     </a:lvl1pPr>
-    <a:lvl2pPr marL="457200" algn="l" defTabSz="914400" rtl="0" eaLnBrk="1" latinLnBrk="0" hangingPunct="1">
+    <a:lvl2pPr marL="457200" algn="l" defTabSz="457200" rtl="0" eaLnBrk="1" latinLnBrk="0" hangingPunct="1">
       <a:defRPr sz="1800" kern="1200">
         <a:solidFill>
           <a:schemeClr val="tx1"/>
@@ -33,7 +33,7 @@
         <a:cs typeface="+mn-cs"/>
       </a:defRPr>
     </a:lvl2pPr>
-    <a:lvl3pPr marL="914400" algn="l" defTabSz="914400" rtl="0" eaLnBrk="1" latinLnBrk="0" hangingPunct="1">
+    <a:lvl3pPr marL="914400" algn="l" defTabSz="457200" rtl="0" eaLnBrk="1" latinLnBrk="0" hangingPunct="1">
       <a:defRPr sz="1800" kern="1200">
         <a:solidFill>
           <a:schemeClr val="tx1"/>
@@ -43,7 +43,7 @@
         <a:cs typeface="+mn-cs"/>
       </a:defRPr>
     </a:lvl3pPr>
-    <a:lvl4pPr marL="1371600" algn="l" defTabSz="914400" rtl="0" eaLnBrk="1" latinLnBrk="0" hangingPunct="1">
+    <a:lvl4pPr marL="1371600" algn="l" defTabSz="457200" rtl="0" eaLnBrk="1" latinLnBrk="0" hangingPunct="1">
       <a:defRPr sz="1800" kern="1200">
         <a:solidFill>
           <a:schemeClr val="tx1"/>
@@ -53,7 +53,7 @@
         <a:cs typeface="+mn-cs"/>
       </a:defRPr>
     </a:lvl4pPr>
-    <a:lvl5pPr marL="1828800" algn="l" defTabSz="914400" rtl="0" eaLnBrk="1" latinLnBrk="0" hangingPunct="1">
+    <a:lvl5pPr marL="1828800" algn="l" defTabSz="457200" rtl="0" eaLnBrk="1" latinLnBrk="0" hangingPunct="1">
       <a:defRPr sz="1800" kern="1200">
         <a:solidFill>
           <a:schemeClr val="tx1"/>
@@ -63,7 +63,7 @@
         <a:cs typeface="+mn-cs"/>
       </a:defRPr>
     </a:lvl5pPr>
-    <a:lvl6pPr marL="2286000" algn="l" defTabSz="914400" rtl="0" eaLnBrk="1" latinLnBrk="0" hangingPunct="1">
+    <a:lvl6pPr marL="2286000" algn="l" defTabSz="457200" rtl="0" eaLnBrk="1" latinLnBrk="0" hangingPunct="1">
       <a:defRPr sz="1800" kern="1200">
         <a:solidFill>
           <a:schemeClr val="tx1"/>
@@ -73,7 +73,7 @@
         <a:cs typeface="+mn-cs"/>
       </a:defRPr>
     </a:lvl6pPr>
-    <a:lvl7pPr marL="2743200" algn="l" defTabSz="914400" rtl="0" eaLnBrk="1" latinLnBrk="0" hangingPunct="1">
+    <a:lvl7pPr marL="2743200" algn="l" defTabSz="457200" rtl="0" eaLnBrk="1" latinLnBrk="0" hangingPunct="1">
       <a:defRPr sz="1800" kern="1200">
         <a:solidFill>
           <a:schemeClr val="tx1"/>
@@ -83,7 +83,7 @@
         <a:cs typeface="+mn-cs"/>
       </a:defRPr>
     </a:lvl7pPr>
-    <a:lvl8pPr marL="3200400" algn="l" defTabSz="914400" rtl="0" eaLnBrk="1" latinLnBrk="0" hangingPunct="1">
+    <a:lvl8pPr marL="3200400" algn="l" defTabSz="457200" rtl="0" eaLnBrk="1" latinLnBrk="0" hangingPunct="1">
       <a:defRPr sz="1800" kern="1200">
         <a:solidFill>
           <a:schemeClr val="tx1"/>
@@ -93,7 +93,7 @@
         <a:cs typeface="+mn-cs"/>
       </a:defRPr>
     </a:lvl8pPr>
-    <a:lvl9pPr marL="3657600" algn="l" defTabSz="914400" rtl="0" eaLnBrk="1" latinLnBrk="0" hangingPunct="1">
+    <a:lvl9pPr marL="3657600" algn="l" defTabSz="457200" rtl="0" eaLnBrk="1" latinLnBrk="0" hangingPunct="1">
       <a:defRPr sz="1800" kern="1200">
         <a:solidFill>
           <a:schemeClr val="tx1"/>
@@ -104,6 +104,11 @@
       </a:defRPr>
     </a:lvl9pPr>
   </p:defaultTextStyle>
+  <p:extLst>
+    <p:ext uri="{EFAFB233-063F-42B5-8137-9DF3F51BA10A}">
+      <p15:sldGuideLst xmlns:p15="http://schemas.microsoft.com/office/powerpoint/2012/main"/>
+    </p:ext>
+  </p:extLst>
 </p:presentation>
 </file>
 
@@ -126,13 +131,7 @@
       </p:grpSpPr>
       <p:sp>
         <p:nvSpPr>
-          <p:cNvPr id="2" name="Titel 1">
-            <a:extLst>
-              <a:ext uri="{FF2B5EF4-FFF2-40B4-BE49-F238E27FC236}">
-                <a16:creationId xmlns:a16="http://schemas.microsoft.com/office/drawing/2014/main" id="{199C2E96-68C5-8C4B-703E-9D8425FFB68C}"/>
-              </a:ext>
-            </a:extLst>
-          </p:cNvPr>
+          <p:cNvPr id="2" name="Title 1"/>
           <p:cNvSpPr>
             <a:spLocks noGrp="1"/>
           </p:cNvSpPr>
@@ -142,8 +141,8 @@
         </p:nvSpPr>
         <p:spPr>
           <a:xfrm>
-            <a:off x="1524000" y="1122363"/>
-            <a:ext cx="9144000" cy="2387600"/>
+            <a:off x="1620044" y="1122363"/>
+            <a:ext cx="9720263" cy="2387600"/>
           </a:xfrm>
         </p:spPr>
         <p:txBody>
@@ -158,18 +157,13 @@
               <a:rPr lang="de-DE"/>
               <a:t>Mastertitelformat bearbeiten</a:t>
             </a:r>
-          </a:p>
-        </p:txBody>
-      </p:sp>
-      <p:sp>
-        <p:nvSpPr>
-          <p:cNvPr id="3" name="Untertitel 2">
-            <a:extLst>
-              <a:ext uri="{FF2B5EF4-FFF2-40B4-BE49-F238E27FC236}">
-                <a16:creationId xmlns:a16="http://schemas.microsoft.com/office/drawing/2014/main" id="{C9964486-1782-B3B1-69BE-995637781C83}"/>
-              </a:ext>
-            </a:extLst>
-          </p:cNvPr>
+            <a:endParaRPr lang="en-US" dirty="0"/>
+          </a:p>
+        </p:txBody>
+      </p:sp>
+      <p:sp>
+        <p:nvSpPr>
+          <p:cNvPr id="3" name="Subtitle 2"/>
           <p:cNvSpPr>
             <a:spLocks noGrp="1"/>
           </p:cNvSpPr>
@@ -179,8 +173,8 @@
         </p:nvSpPr>
         <p:spPr>
           <a:xfrm>
-            <a:off x="1524000" y="3602038"/>
-            <a:ext cx="9144000" cy="1655762"/>
+            <a:off x="1620044" y="3602038"/>
+            <a:ext cx="9720263" cy="1655762"/>
           </a:xfrm>
         </p:spPr>
         <p:txBody>
@@ -228,18 +222,13 @@
               <a:rPr lang="de-DE"/>
               <a:t>Master-Untertitelformat bearbeiten</a:t>
             </a:r>
-          </a:p>
-        </p:txBody>
-      </p:sp>
-      <p:sp>
-        <p:nvSpPr>
-          <p:cNvPr id="4" name="Datumsplatzhalter 3">
-            <a:extLst>
-              <a:ext uri="{FF2B5EF4-FFF2-40B4-BE49-F238E27FC236}">
-                <a16:creationId xmlns:a16="http://schemas.microsoft.com/office/drawing/2014/main" id="{F0C3877B-DD9C-2672-4BA4-FA600EB5E9A1}"/>
-              </a:ext>
-            </a:extLst>
-          </p:cNvPr>
+            <a:endParaRPr lang="en-US" dirty="0"/>
+          </a:p>
+        </p:txBody>
+      </p:sp>
+      <p:sp>
+        <p:nvSpPr>
+          <p:cNvPr id="4" name="Date Placeholder 3"/>
           <p:cNvSpPr>
             <a:spLocks noGrp="1"/>
           </p:cNvSpPr>
@@ -254,7 +243,7 @@
           <a:p>
             <a:fld id="{DC360B5C-6821-43F8-ABAB-85D166C80C1F}" type="datetimeFigureOut">
               <a:rPr lang="de-DE" smtClean="0"/>
-              <a:t>27.02.2024</a:t>
+              <a:t>06.03.2024</a:t>
             </a:fld>
             <a:endParaRPr lang="de-DE"/>
           </a:p>
@@ -262,13 +251,7 @@
       </p:sp>
       <p:sp>
         <p:nvSpPr>
-          <p:cNvPr id="5" name="Fußzeilenplatzhalter 4">
-            <a:extLst>
-              <a:ext uri="{FF2B5EF4-FFF2-40B4-BE49-F238E27FC236}">
-                <a16:creationId xmlns:a16="http://schemas.microsoft.com/office/drawing/2014/main" id="{F323826F-07EC-8B3F-6DCC-8DAA615BB8F7}"/>
-              </a:ext>
-            </a:extLst>
-          </p:cNvPr>
+          <p:cNvPr id="5" name="Footer Placeholder 4"/>
           <p:cNvSpPr>
             <a:spLocks noGrp="1"/>
           </p:cNvSpPr>
@@ -287,13 +270,7 @@
       </p:sp>
       <p:sp>
         <p:nvSpPr>
-          <p:cNvPr id="6" name="Foliennummernplatzhalter 5">
-            <a:extLst>
-              <a:ext uri="{FF2B5EF4-FFF2-40B4-BE49-F238E27FC236}">
-                <a16:creationId xmlns:a16="http://schemas.microsoft.com/office/drawing/2014/main" id="{0095D5CB-F705-D26A-C381-8A2CA1C41303}"/>
-              </a:ext>
-            </a:extLst>
-          </p:cNvPr>
+          <p:cNvPr id="6" name="Slide Number Placeholder 5"/>
           <p:cNvSpPr>
             <a:spLocks noGrp="1"/>
           </p:cNvSpPr>
@@ -317,7 +294,7 @@
     </p:spTree>
     <p:extLst>
       <p:ext uri="{BB962C8B-B14F-4D97-AF65-F5344CB8AC3E}">
-        <p14:creationId xmlns:p14="http://schemas.microsoft.com/office/powerpoint/2010/main" val="487645258"/>
+        <p14:creationId xmlns:p14="http://schemas.microsoft.com/office/powerpoint/2010/main" val="2619696697"/>
       </p:ext>
     </p:extLst>
   </p:cSld>
@@ -346,13 +323,7 @@
       </p:grpSpPr>
       <p:sp>
         <p:nvSpPr>
-          <p:cNvPr id="2" name="Titel 1">
-            <a:extLst>
-              <a:ext uri="{FF2B5EF4-FFF2-40B4-BE49-F238E27FC236}">
-                <a16:creationId xmlns:a16="http://schemas.microsoft.com/office/drawing/2014/main" id="{1C64E4E3-F18B-0D76-D1A3-B6419ED3E091}"/>
-              </a:ext>
-            </a:extLst>
-          </p:cNvPr>
+          <p:cNvPr id="2" name="Title 1"/>
           <p:cNvSpPr>
             <a:spLocks noGrp="1"/>
           </p:cNvSpPr>
@@ -369,18 +340,13 @@
               <a:rPr lang="de-DE"/>
               <a:t>Mastertitelformat bearbeiten</a:t>
             </a:r>
-          </a:p>
-        </p:txBody>
-      </p:sp>
-      <p:sp>
-        <p:nvSpPr>
-          <p:cNvPr id="3" name="Vertikaler Textplatzhalter 2">
-            <a:extLst>
-              <a:ext uri="{FF2B5EF4-FFF2-40B4-BE49-F238E27FC236}">
-                <a16:creationId xmlns:a16="http://schemas.microsoft.com/office/drawing/2014/main" id="{397E32AA-2CE0-D244-5C42-9A5FF7676576}"/>
-              </a:ext>
-            </a:extLst>
-          </p:cNvPr>
+            <a:endParaRPr lang="en-US" dirty="0"/>
+          </a:p>
+        </p:txBody>
+      </p:sp>
+      <p:sp>
+        <p:nvSpPr>
+          <p:cNvPr id="3" name="Vertical Text Placeholder 2"/>
           <p:cNvSpPr>
             <a:spLocks noGrp="1"/>
           </p:cNvSpPr>
@@ -426,18 +392,13 @@
               <a:rPr lang="de-DE"/>
               <a:t>Fünfte Ebene</a:t>
             </a:r>
-          </a:p>
-        </p:txBody>
-      </p:sp>
-      <p:sp>
-        <p:nvSpPr>
-          <p:cNvPr id="4" name="Datumsplatzhalter 3">
-            <a:extLst>
-              <a:ext uri="{FF2B5EF4-FFF2-40B4-BE49-F238E27FC236}">
-                <a16:creationId xmlns:a16="http://schemas.microsoft.com/office/drawing/2014/main" id="{BD7B52B5-94F9-A9A6-41C5-DF23CCD022D4}"/>
-              </a:ext>
-            </a:extLst>
-          </p:cNvPr>
+            <a:endParaRPr lang="en-US" dirty="0"/>
+          </a:p>
+        </p:txBody>
+      </p:sp>
+      <p:sp>
+        <p:nvSpPr>
+          <p:cNvPr id="4" name="Date Placeholder 3"/>
           <p:cNvSpPr>
             <a:spLocks noGrp="1"/>
           </p:cNvSpPr>
@@ -452,7 +413,7 @@
           <a:p>
             <a:fld id="{DC360B5C-6821-43F8-ABAB-85D166C80C1F}" type="datetimeFigureOut">
               <a:rPr lang="de-DE" smtClean="0"/>
-              <a:t>27.02.2024</a:t>
+              <a:t>06.03.2024</a:t>
             </a:fld>
             <a:endParaRPr lang="de-DE"/>
           </a:p>
@@ -460,13 +421,7 @@
       </p:sp>
       <p:sp>
         <p:nvSpPr>
-          <p:cNvPr id="5" name="Fußzeilenplatzhalter 4">
-            <a:extLst>
-              <a:ext uri="{FF2B5EF4-FFF2-40B4-BE49-F238E27FC236}">
-                <a16:creationId xmlns:a16="http://schemas.microsoft.com/office/drawing/2014/main" id="{D67AF21E-32BE-B5F7-9DC7-EB4647645FCF}"/>
-              </a:ext>
-            </a:extLst>
-          </p:cNvPr>
+          <p:cNvPr id="5" name="Footer Placeholder 4"/>
           <p:cNvSpPr>
             <a:spLocks noGrp="1"/>
           </p:cNvSpPr>
@@ -485,13 +440,7 @@
       </p:sp>
       <p:sp>
         <p:nvSpPr>
-          <p:cNvPr id="6" name="Foliennummernplatzhalter 5">
-            <a:extLst>
-              <a:ext uri="{FF2B5EF4-FFF2-40B4-BE49-F238E27FC236}">
-                <a16:creationId xmlns:a16="http://schemas.microsoft.com/office/drawing/2014/main" id="{C68BCCE4-CFFB-9052-0DF7-EAB8A4AE86F2}"/>
-              </a:ext>
-            </a:extLst>
-          </p:cNvPr>
+          <p:cNvPr id="6" name="Slide Number Placeholder 5"/>
           <p:cNvSpPr>
             <a:spLocks noGrp="1"/>
           </p:cNvSpPr>
@@ -515,7 +464,7 @@
     </p:spTree>
     <p:extLst>
       <p:ext uri="{BB962C8B-B14F-4D97-AF65-F5344CB8AC3E}">
-        <p14:creationId xmlns:p14="http://schemas.microsoft.com/office/powerpoint/2010/main" val="4092213692"/>
+        <p14:creationId xmlns:p14="http://schemas.microsoft.com/office/powerpoint/2010/main" val="326354510"/>
       </p:ext>
     </p:extLst>
   </p:cSld>
@@ -544,13 +493,7 @@
       </p:grpSpPr>
       <p:sp>
         <p:nvSpPr>
-          <p:cNvPr id="2" name="Vertikaler Titel 1">
-            <a:extLst>
-              <a:ext uri="{FF2B5EF4-FFF2-40B4-BE49-F238E27FC236}">
-                <a16:creationId xmlns:a16="http://schemas.microsoft.com/office/drawing/2014/main" id="{51E65152-33F0-3E79-51D5-BE1065AF4612}"/>
-              </a:ext>
-            </a:extLst>
-          </p:cNvPr>
+          <p:cNvPr id="2" name="Vertical Title 1"/>
           <p:cNvSpPr>
             <a:spLocks noGrp="1"/>
           </p:cNvSpPr>
@@ -560,8 +503,8 @@
         </p:nvSpPr>
         <p:spPr>
           <a:xfrm>
-            <a:off x="8724900" y="365125"/>
-            <a:ext cx="2628900" cy="5811838"/>
+            <a:off x="9274751" y="365125"/>
+            <a:ext cx="2794575" cy="5811838"/>
           </a:xfrm>
         </p:spPr>
         <p:txBody>
@@ -572,18 +515,13 @@
               <a:rPr lang="de-DE"/>
               <a:t>Mastertitelformat bearbeiten</a:t>
             </a:r>
-          </a:p>
-        </p:txBody>
-      </p:sp>
-      <p:sp>
-        <p:nvSpPr>
-          <p:cNvPr id="3" name="Vertikaler Textplatzhalter 2">
-            <a:extLst>
-              <a:ext uri="{FF2B5EF4-FFF2-40B4-BE49-F238E27FC236}">
-                <a16:creationId xmlns:a16="http://schemas.microsoft.com/office/drawing/2014/main" id="{24BD0B1B-5BC8-DAF7-004A-AA1E2CB21D42}"/>
-              </a:ext>
-            </a:extLst>
-          </p:cNvPr>
+            <a:endParaRPr lang="en-US" dirty="0"/>
+          </a:p>
+        </p:txBody>
+      </p:sp>
+      <p:sp>
+        <p:nvSpPr>
+          <p:cNvPr id="3" name="Vertical Text Placeholder 2"/>
           <p:cNvSpPr>
             <a:spLocks noGrp="1"/>
           </p:cNvSpPr>
@@ -593,8 +531,8 @@
         </p:nvSpPr>
         <p:spPr>
           <a:xfrm>
-            <a:off x="838200" y="365125"/>
-            <a:ext cx="7734300" cy="5811838"/>
+            <a:off x="891024" y="365125"/>
+            <a:ext cx="8221722" cy="5811838"/>
           </a:xfrm>
         </p:spPr>
         <p:txBody>
@@ -634,18 +572,13 @@
               <a:rPr lang="de-DE"/>
               <a:t>Fünfte Ebene</a:t>
             </a:r>
-          </a:p>
-        </p:txBody>
-      </p:sp>
-      <p:sp>
-        <p:nvSpPr>
-          <p:cNvPr id="4" name="Datumsplatzhalter 3">
-            <a:extLst>
-              <a:ext uri="{FF2B5EF4-FFF2-40B4-BE49-F238E27FC236}">
-                <a16:creationId xmlns:a16="http://schemas.microsoft.com/office/drawing/2014/main" id="{0324EBC2-A5A1-972A-5DFB-A9316D4FE0E7}"/>
-              </a:ext>
-            </a:extLst>
-          </p:cNvPr>
+            <a:endParaRPr lang="en-US" dirty="0"/>
+          </a:p>
+        </p:txBody>
+      </p:sp>
+      <p:sp>
+        <p:nvSpPr>
+          <p:cNvPr id="4" name="Date Placeholder 3"/>
           <p:cNvSpPr>
             <a:spLocks noGrp="1"/>
           </p:cNvSpPr>
@@ -660,7 +593,7 @@
           <a:p>
             <a:fld id="{DC360B5C-6821-43F8-ABAB-85D166C80C1F}" type="datetimeFigureOut">
               <a:rPr lang="de-DE" smtClean="0"/>
-              <a:t>27.02.2024</a:t>
+              <a:t>06.03.2024</a:t>
             </a:fld>
             <a:endParaRPr lang="de-DE"/>
           </a:p>
@@ -668,13 +601,7 @@
       </p:sp>
       <p:sp>
         <p:nvSpPr>
-          <p:cNvPr id="5" name="Fußzeilenplatzhalter 4">
-            <a:extLst>
-              <a:ext uri="{FF2B5EF4-FFF2-40B4-BE49-F238E27FC236}">
-                <a16:creationId xmlns:a16="http://schemas.microsoft.com/office/drawing/2014/main" id="{DD11038D-F029-D03F-65FA-5F6919A45629}"/>
-              </a:ext>
-            </a:extLst>
-          </p:cNvPr>
+          <p:cNvPr id="5" name="Footer Placeholder 4"/>
           <p:cNvSpPr>
             <a:spLocks noGrp="1"/>
           </p:cNvSpPr>
@@ -693,13 +620,7 @@
       </p:sp>
       <p:sp>
         <p:nvSpPr>
-          <p:cNvPr id="6" name="Foliennummernplatzhalter 5">
-            <a:extLst>
-              <a:ext uri="{FF2B5EF4-FFF2-40B4-BE49-F238E27FC236}">
-                <a16:creationId xmlns:a16="http://schemas.microsoft.com/office/drawing/2014/main" id="{2C87015C-DEDB-8051-1C0D-763A17756B46}"/>
-              </a:ext>
-            </a:extLst>
-          </p:cNvPr>
+          <p:cNvPr id="6" name="Slide Number Placeholder 5"/>
           <p:cNvSpPr>
             <a:spLocks noGrp="1"/>
           </p:cNvSpPr>
@@ -723,7 +644,7 @@
     </p:spTree>
     <p:extLst>
       <p:ext uri="{BB962C8B-B14F-4D97-AF65-F5344CB8AC3E}">
-        <p14:creationId xmlns:p14="http://schemas.microsoft.com/office/powerpoint/2010/main" val="1789388898"/>
+        <p14:creationId xmlns:p14="http://schemas.microsoft.com/office/powerpoint/2010/main" val="1353190380"/>
       </p:ext>
     </p:extLst>
   </p:cSld>
@@ -752,13 +673,7 @@
       </p:grpSpPr>
       <p:sp>
         <p:nvSpPr>
-          <p:cNvPr id="2" name="Titel 1">
-            <a:extLst>
-              <a:ext uri="{FF2B5EF4-FFF2-40B4-BE49-F238E27FC236}">
-                <a16:creationId xmlns:a16="http://schemas.microsoft.com/office/drawing/2014/main" id="{83CF7E38-4C08-3A13-ADE3-4CF55A77D26C}"/>
-              </a:ext>
-            </a:extLst>
-          </p:cNvPr>
+          <p:cNvPr id="2" name="Title 1"/>
           <p:cNvSpPr>
             <a:spLocks noGrp="1"/>
           </p:cNvSpPr>
@@ -775,18 +690,13 @@
               <a:rPr lang="de-DE"/>
               <a:t>Mastertitelformat bearbeiten</a:t>
             </a:r>
-          </a:p>
-        </p:txBody>
-      </p:sp>
-      <p:sp>
-        <p:nvSpPr>
-          <p:cNvPr id="3" name="Inhaltsplatzhalter 2">
-            <a:extLst>
-              <a:ext uri="{FF2B5EF4-FFF2-40B4-BE49-F238E27FC236}">
-                <a16:creationId xmlns:a16="http://schemas.microsoft.com/office/drawing/2014/main" id="{9391E0C0-049C-B2F0-C1FE-B3CC9725C36B}"/>
-              </a:ext>
-            </a:extLst>
-          </p:cNvPr>
+            <a:endParaRPr lang="en-US" dirty="0"/>
+          </a:p>
+        </p:txBody>
+      </p:sp>
+      <p:sp>
+        <p:nvSpPr>
+          <p:cNvPr id="3" name="Content Placeholder 2"/>
           <p:cNvSpPr>
             <a:spLocks noGrp="1"/>
           </p:cNvSpPr>
@@ -832,18 +742,13 @@
               <a:rPr lang="de-DE"/>
               <a:t>Fünfte Ebene</a:t>
             </a:r>
-          </a:p>
-        </p:txBody>
-      </p:sp>
-      <p:sp>
-        <p:nvSpPr>
-          <p:cNvPr id="4" name="Datumsplatzhalter 3">
-            <a:extLst>
-              <a:ext uri="{FF2B5EF4-FFF2-40B4-BE49-F238E27FC236}">
-                <a16:creationId xmlns:a16="http://schemas.microsoft.com/office/drawing/2014/main" id="{8B2C5B1E-0C9A-66D3-C7B7-3640B3B65551}"/>
-              </a:ext>
-            </a:extLst>
-          </p:cNvPr>
+            <a:endParaRPr lang="en-US" dirty="0"/>
+          </a:p>
+        </p:txBody>
+      </p:sp>
+      <p:sp>
+        <p:nvSpPr>
+          <p:cNvPr id="4" name="Date Placeholder 3"/>
           <p:cNvSpPr>
             <a:spLocks noGrp="1"/>
           </p:cNvSpPr>
@@ -858,7 +763,7 @@
           <a:p>
             <a:fld id="{DC360B5C-6821-43F8-ABAB-85D166C80C1F}" type="datetimeFigureOut">
               <a:rPr lang="de-DE" smtClean="0"/>
-              <a:t>27.02.2024</a:t>
+              <a:t>06.03.2024</a:t>
             </a:fld>
             <a:endParaRPr lang="de-DE"/>
           </a:p>
@@ -866,13 +771,7 @@
       </p:sp>
       <p:sp>
         <p:nvSpPr>
-          <p:cNvPr id="5" name="Fußzeilenplatzhalter 4">
-            <a:extLst>
-              <a:ext uri="{FF2B5EF4-FFF2-40B4-BE49-F238E27FC236}">
-                <a16:creationId xmlns:a16="http://schemas.microsoft.com/office/drawing/2014/main" id="{FC813B2E-8DFC-2E0F-3F13-718856C8E38A}"/>
-              </a:ext>
-            </a:extLst>
-          </p:cNvPr>
+          <p:cNvPr id="5" name="Footer Placeholder 4"/>
           <p:cNvSpPr>
             <a:spLocks noGrp="1"/>
           </p:cNvSpPr>
@@ -891,13 +790,7 @@
       </p:sp>
       <p:sp>
         <p:nvSpPr>
-          <p:cNvPr id="6" name="Foliennummernplatzhalter 5">
-            <a:extLst>
-              <a:ext uri="{FF2B5EF4-FFF2-40B4-BE49-F238E27FC236}">
-                <a16:creationId xmlns:a16="http://schemas.microsoft.com/office/drawing/2014/main" id="{52F56774-8E34-E1FB-21E9-3C06D92BB13D}"/>
-              </a:ext>
-            </a:extLst>
-          </p:cNvPr>
+          <p:cNvPr id="6" name="Slide Number Placeholder 5"/>
           <p:cNvSpPr>
             <a:spLocks noGrp="1"/>
           </p:cNvSpPr>
@@ -921,7 +814,7 @@
     </p:spTree>
     <p:extLst>
       <p:ext uri="{BB962C8B-B14F-4D97-AF65-F5344CB8AC3E}">
-        <p14:creationId xmlns:p14="http://schemas.microsoft.com/office/powerpoint/2010/main" val="3129001131"/>
+        <p14:creationId xmlns:p14="http://schemas.microsoft.com/office/powerpoint/2010/main" val="3016439393"/>
       </p:ext>
     </p:extLst>
   </p:cSld>
@@ -950,13 +843,7 @@
       </p:grpSpPr>
       <p:sp>
         <p:nvSpPr>
-          <p:cNvPr id="2" name="Titel 1">
-            <a:extLst>
-              <a:ext uri="{FF2B5EF4-FFF2-40B4-BE49-F238E27FC236}">
-                <a16:creationId xmlns:a16="http://schemas.microsoft.com/office/drawing/2014/main" id="{B3B3E906-4969-25A2-2DFF-7128535FA076}"/>
-              </a:ext>
-            </a:extLst>
-          </p:cNvPr>
+          <p:cNvPr id="2" name="Title 1"/>
           <p:cNvSpPr>
             <a:spLocks noGrp="1"/>
           </p:cNvSpPr>
@@ -966,8 +853,8 @@
         </p:nvSpPr>
         <p:spPr>
           <a:xfrm>
-            <a:off x="831850" y="1709738"/>
-            <a:ext cx="10515600" cy="2852737"/>
+            <a:off x="884274" y="1709739"/>
+            <a:ext cx="11178302" cy="2852737"/>
           </a:xfrm>
         </p:spPr>
         <p:txBody>
@@ -982,18 +869,13 @@
               <a:rPr lang="de-DE"/>
               <a:t>Mastertitelformat bearbeiten</a:t>
             </a:r>
-          </a:p>
-        </p:txBody>
-      </p:sp>
-      <p:sp>
-        <p:nvSpPr>
-          <p:cNvPr id="3" name="Textplatzhalter 2">
-            <a:extLst>
-              <a:ext uri="{FF2B5EF4-FFF2-40B4-BE49-F238E27FC236}">
-                <a16:creationId xmlns:a16="http://schemas.microsoft.com/office/drawing/2014/main" id="{46756FDE-AA52-1FBA-920E-B46DB7D21444}"/>
-              </a:ext>
-            </a:extLst>
-          </p:cNvPr>
+            <a:endParaRPr lang="en-US" dirty="0"/>
+          </a:p>
+        </p:txBody>
+      </p:sp>
+      <p:sp>
+        <p:nvSpPr>
+          <p:cNvPr id="3" name="Text Placeholder 2"/>
           <p:cNvSpPr>
             <a:spLocks noGrp="1"/>
           </p:cNvSpPr>
@@ -1003,8 +885,8 @@
         </p:nvSpPr>
         <p:spPr>
           <a:xfrm>
-            <a:off x="831850" y="4589463"/>
-            <a:ext cx="10515600" cy="1500187"/>
+            <a:off x="884274" y="4589464"/>
+            <a:ext cx="11178302" cy="1500187"/>
           </a:xfrm>
         </p:spPr>
         <p:txBody>
@@ -1112,13 +994,7 @@
       </p:sp>
       <p:sp>
         <p:nvSpPr>
-          <p:cNvPr id="4" name="Datumsplatzhalter 3">
-            <a:extLst>
-              <a:ext uri="{FF2B5EF4-FFF2-40B4-BE49-F238E27FC236}">
-                <a16:creationId xmlns:a16="http://schemas.microsoft.com/office/drawing/2014/main" id="{0B85B2EA-E936-6D1E-E696-D58BEB06E323}"/>
-              </a:ext>
-            </a:extLst>
-          </p:cNvPr>
+          <p:cNvPr id="4" name="Date Placeholder 3"/>
           <p:cNvSpPr>
             <a:spLocks noGrp="1"/>
           </p:cNvSpPr>
@@ -1133,7 +1009,7 @@
           <a:p>
             <a:fld id="{DC360B5C-6821-43F8-ABAB-85D166C80C1F}" type="datetimeFigureOut">
               <a:rPr lang="de-DE" smtClean="0"/>
-              <a:t>27.02.2024</a:t>
+              <a:t>06.03.2024</a:t>
             </a:fld>
             <a:endParaRPr lang="de-DE"/>
           </a:p>
@@ -1141,13 +1017,7 @@
       </p:sp>
       <p:sp>
         <p:nvSpPr>
-          <p:cNvPr id="5" name="Fußzeilenplatzhalter 4">
-            <a:extLst>
-              <a:ext uri="{FF2B5EF4-FFF2-40B4-BE49-F238E27FC236}">
-                <a16:creationId xmlns:a16="http://schemas.microsoft.com/office/drawing/2014/main" id="{584B6024-2DAC-1AFD-C7A6-47F9A7406EB0}"/>
-              </a:ext>
-            </a:extLst>
-          </p:cNvPr>
+          <p:cNvPr id="5" name="Footer Placeholder 4"/>
           <p:cNvSpPr>
             <a:spLocks noGrp="1"/>
           </p:cNvSpPr>
@@ -1166,13 +1036,7 @@
       </p:sp>
       <p:sp>
         <p:nvSpPr>
-          <p:cNvPr id="6" name="Foliennummernplatzhalter 5">
-            <a:extLst>
-              <a:ext uri="{FF2B5EF4-FFF2-40B4-BE49-F238E27FC236}">
-                <a16:creationId xmlns:a16="http://schemas.microsoft.com/office/drawing/2014/main" id="{7F0AF66A-4530-ABAC-E053-142E9D18E7F5}"/>
-              </a:ext>
-            </a:extLst>
-          </p:cNvPr>
+          <p:cNvPr id="6" name="Slide Number Placeholder 5"/>
           <p:cNvSpPr>
             <a:spLocks noGrp="1"/>
           </p:cNvSpPr>
@@ -1196,7 +1060,7 @@
     </p:spTree>
     <p:extLst>
       <p:ext uri="{BB962C8B-B14F-4D97-AF65-F5344CB8AC3E}">
-        <p14:creationId xmlns:p14="http://schemas.microsoft.com/office/powerpoint/2010/main" val="3996393807"/>
+        <p14:creationId xmlns:p14="http://schemas.microsoft.com/office/powerpoint/2010/main" val="1656531148"/>
       </p:ext>
     </p:extLst>
   </p:cSld>
@@ -1225,13 +1089,7 @@
       </p:grpSpPr>
       <p:sp>
         <p:nvSpPr>
-          <p:cNvPr id="2" name="Titel 1">
-            <a:extLst>
-              <a:ext uri="{FF2B5EF4-FFF2-40B4-BE49-F238E27FC236}">
-                <a16:creationId xmlns:a16="http://schemas.microsoft.com/office/drawing/2014/main" id="{42F72751-C44C-E9A3-7EC8-A8201BEF77B3}"/>
-              </a:ext>
-            </a:extLst>
-          </p:cNvPr>
+          <p:cNvPr id="2" name="Title 1"/>
           <p:cNvSpPr>
             <a:spLocks noGrp="1"/>
           </p:cNvSpPr>
@@ -1248,18 +1106,13 @@
               <a:rPr lang="de-DE"/>
               <a:t>Mastertitelformat bearbeiten</a:t>
             </a:r>
-          </a:p>
-        </p:txBody>
-      </p:sp>
-      <p:sp>
-        <p:nvSpPr>
-          <p:cNvPr id="3" name="Inhaltsplatzhalter 2">
-            <a:extLst>
-              <a:ext uri="{FF2B5EF4-FFF2-40B4-BE49-F238E27FC236}">
-                <a16:creationId xmlns:a16="http://schemas.microsoft.com/office/drawing/2014/main" id="{66D29C91-6758-44DB-37B4-A4E166A5AD4C}"/>
-              </a:ext>
-            </a:extLst>
-          </p:cNvPr>
+            <a:endParaRPr lang="en-US" dirty="0"/>
+          </a:p>
+        </p:txBody>
+      </p:sp>
+      <p:sp>
+        <p:nvSpPr>
+          <p:cNvPr id="3" name="Content Placeholder 2"/>
           <p:cNvSpPr>
             <a:spLocks noGrp="1"/>
           </p:cNvSpPr>
@@ -1269,8 +1122,8 @@
         </p:nvSpPr>
         <p:spPr>
           <a:xfrm>
-            <a:off x="838200" y="1825625"/>
-            <a:ext cx="5181600" cy="4351338"/>
+            <a:off x="891024" y="1825625"/>
+            <a:ext cx="5508149" cy="4351338"/>
           </a:xfrm>
         </p:spPr>
         <p:txBody>
@@ -1310,18 +1163,13 @@
               <a:rPr lang="de-DE"/>
               <a:t>Fünfte Ebene</a:t>
             </a:r>
-          </a:p>
-        </p:txBody>
-      </p:sp>
-      <p:sp>
-        <p:nvSpPr>
-          <p:cNvPr id="4" name="Inhaltsplatzhalter 3">
-            <a:extLst>
-              <a:ext uri="{FF2B5EF4-FFF2-40B4-BE49-F238E27FC236}">
-                <a16:creationId xmlns:a16="http://schemas.microsoft.com/office/drawing/2014/main" id="{CA3ECD69-9C36-1BE3-7426-2C8814110D80}"/>
-              </a:ext>
-            </a:extLst>
-          </p:cNvPr>
+            <a:endParaRPr lang="en-US" dirty="0"/>
+          </a:p>
+        </p:txBody>
+      </p:sp>
+      <p:sp>
+        <p:nvSpPr>
+          <p:cNvPr id="4" name="Content Placeholder 3"/>
           <p:cNvSpPr>
             <a:spLocks noGrp="1"/>
           </p:cNvSpPr>
@@ -1331,8 +1179,8 @@
         </p:nvSpPr>
         <p:spPr>
           <a:xfrm>
-            <a:off x="6172200" y="1825625"/>
-            <a:ext cx="5181600" cy="4351338"/>
+            <a:off x="6561177" y="1825625"/>
+            <a:ext cx="5508149" cy="4351338"/>
           </a:xfrm>
         </p:spPr>
         <p:txBody>
@@ -1372,18 +1220,13 @@
               <a:rPr lang="de-DE"/>
               <a:t>Fünfte Ebene</a:t>
             </a:r>
-          </a:p>
-        </p:txBody>
-      </p:sp>
-      <p:sp>
-        <p:nvSpPr>
-          <p:cNvPr id="5" name="Datumsplatzhalter 4">
-            <a:extLst>
-              <a:ext uri="{FF2B5EF4-FFF2-40B4-BE49-F238E27FC236}">
-                <a16:creationId xmlns:a16="http://schemas.microsoft.com/office/drawing/2014/main" id="{AFC2C828-C575-A7E1-DCE1-9FD10324C499}"/>
-              </a:ext>
-            </a:extLst>
-          </p:cNvPr>
+            <a:endParaRPr lang="en-US" dirty="0"/>
+          </a:p>
+        </p:txBody>
+      </p:sp>
+      <p:sp>
+        <p:nvSpPr>
+          <p:cNvPr id="5" name="Date Placeholder 4"/>
           <p:cNvSpPr>
             <a:spLocks noGrp="1"/>
           </p:cNvSpPr>
@@ -1398,7 +1241,7 @@
           <a:p>
             <a:fld id="{DC360B5C-6821-43F8-ABAB-85D166C80C1F}" type="datetimeFigureOut">
               <a:rPr lang="de-DE" smtClean="0"/>
-              <a:t>27.02.2024</a:t>
+              <a:t>06.03.2024</a:t>
             </a:fld>
             <a:endParaRPr lang="de-DE"/>
           </a:p>
@@ -1406,13 +1249,7 @@
       </p:sp>
       <p:sp>
         <p:nvSpPr>
-          <p:cNvPr id="6" name="Fußzeilenplatzhalter 5">
-            <a:extLst>
-              <a:ext uri="{FF2B5EF4-FFF2-40B4-BE49-F238E27FC236}">
-                <a16:creationId xmlns:a16="http://schemas.microsoft.com/office/drawing/2014/main" id="{8DC66820-0DA9-8C29-DB6E-C002B4F36C6C}"/>
-              </a:ext>
-            </a:extLst>
-          </p:cNvPr>
+          <p:cNvPr id="6" name="Footer Placeholder 5"/>
           <p:cNvSpPr>
             <a:spLocks noGrp="1"/>
           </p:cNvSpPr>
@@ -1431,13 +1268,7 @@
       </p:sp>
       <p:sp>
         <p:nvSpPr>
-          <p:cNvPr id="7" name="Foliennummernplatzhalter 6">
-            <a:extLst>
-              <a:ext uri="{FF2B5EF4-FFF2-40B4-BE49-F238E27FC236}">
-                <a16:creationId xmlns:a16="http://schemas.microsoft.com/office/drawing/2014/main" id="{656ADCB9-C165-5C36-04A6-B7DA0388F4AB}"/>
-              </a:ext>
-            </a:extLst>
-          </p:cNvPr>
+          <p:cNvPr id="7" name="Slide Number Placeholder 6"/>
           <p:cNvSpPr>
             <a:spLocks noGrp="1"/>
           </p:cNvSpPr>
@@ -1461,7 +1292,7 @@
     </p:spTree>
     <p:extLst>
       <p:ext uri="{BB962C8B-B14F-4D97-AF65-F5344CB8AC3E}">
-        <p14:creationId xmlns:p14="http://schemas.microsoft.com/office/powerpoint/2010/main" val="606229743"/>
+        <p14:creationId xmlns:p14="http://schemas.microsoft.com/office/powerpoint/2010/main" val="2461499559"/>
       </p:ext>
     </p:extLst>
   </p:cSld>
@@ -1490,13 +1321,7 @@
       </p:grpSpPr>
       <p:sp>
         <p:nvSpPr>
-          <p:cNvPr id="2" name="Titel 1">
-            <a:extLst>
-              <a:ext uri="{FF2B5EF4-FFF2-40B4-BE49-F238E27FC236}">
-                <a16:creationId xmlns:a16="http://schemas.microsoft.com/office/drawing/2014/main" id="{83137656-90B8-656E-5796-9522E516320D}"/>
-              </a:ext>
-            </a:extLst>
-          </p:cNvPr>
+          <p:cNvPr id="2" name="Title 1"/>
           <p:cNvSpPr>
             <a:spLocks noGrp="1"/>
           </p:cNvSpPr>
@@ -1506,8 +1331,8 @@
         </p:nvSpPr>
         <p:spPr>
           <a:xfrm>
-            <a:off x="839788" y="365125"/>
-            <a:ext cx="10515600" cy="1325563"/>
+            <a:off x="892712" y="365126"/>
+            <a:ext cx="11178302" cy="1325563"/>
           </a:xfrm>
         </p:spPr>
         <p:txBody>
@@ -1518,18 +1343,13 @@
               <a:rPr lang="de-DE"/>
               <a:t>Mastertitelformat bearbeiten</a:t>
             </a:r>
-          </a:p>
-        </p:txBody>
-      </p:sp>
-      <p:sp>
-        <p:nvSpPr>
-          <p:cNvPr id="3" name="Textplatzhalter 2">
-            <a:extLst>
-              <a:ext uri="{FF2B5EF4-FFF2-40B4-BE49-F238E27FC236}">
-                <a16:creationId xmlns:a16="http://schemas.microsoft.com/office/drawing/2014/main" id="{AAB07BCF-062A-6DB0-7F3E-C9E69FCE8967}"/>
-              </a:ext>
-            </a:extLst>
-          </p:cNvPr>
+            <a:endParaRPr lang="en-US" dirty="0"/>
+          </a:p>
+        </p:txBody>
+      </p:sp>
+      <p:sp>
+        <p:nvSpPr>
+          <p:cNvPr id="3" name="Text Placeholder 2"/>
           <p:cNvSpPr>
             <a:spLocks noGrp="1"/>
           </p:cNvSpPr>
@@ -1539,8 +1359,8 @@
         </p:nvSpPr>
         <p:spPr>
           <a:xfrm>
-            <a:off x="839788" y="1681163"/>
-            <a:ext cx="5157787" cy="823912"/>
+            <a:off x="892713" y="1681163"/>
+            <a:ext cx="5482835" cy="823912"/>
           </a:xfrm>
         </p:spPr>
         <p:txBody>
@@ -1594,13 +1414,7 @@
       </p:sp>
       <p:sp>
         <p:nvSpPr>
-          <p:cNvPr id="4" name="Inhaltsplatzhalter 3">
-            <a:extLst>
-              <a:ext uri="{FF2B5EF4-FFF2-40B4-BE49-F238E27FC236}">
-                <a16:creationId xmlns:a16="http://schemas.microsoft.com/office/drawing/2014/main" id="{D9FD0AD9-C50E-F69C-B89B-70C37ADA7567}"/>
-              </a:ext>
-            </a:extLst>
-          </p:cNvPr>
+          <p:cNvPr id="4" name="Content Placeholder 3"/>
           <p:cNvSpPr>
             <a:spLocks noGrp="1"/>
           </p:cNvSpPr>
@@ -1610,8 +1424,8 @@
         </p:nvSpPr>
         <p:spPr>
           <a:xfrm>
-            <a:off x="839788" y="2505075"/>
-            <a:ext cx="5157787" cy="3684588"/>
+            <a:off x="892713" y="2505075"/>
+            <a:ext cx="5482835" cy="3684588"/>
           </a:xfrm>
         </p:spPr>
         <p:txBody>
@@ -1651,18 +1465,13 @@
               <a:rPr lang="de-DE"/>
               <a:t>Fünfte Ebene</a:t>
             </a:r>
-          </a:p>
-        </p:txBody>
-      </p:sp>
-      <p:sp>
-        <p:nvSpPr>
-          <p:cNvPr id="5" name="Textplatzhalter 4">
-            <a:extLst>
-              <a:ext uri="{FF2B5EF4-FFF2-40B4-BE49-F238E27FC236}">
-                <a16:creationId xmlns:a16="http://schemas.microsoft.com/office/drawing/2014/main" id="{5246AA40-4709-02CA-F5D4-EE30FC7B08BB}"/>
-              </a:ext>
-            </a:extLst>
-          </p:cNvPr>
+            <a:endParaRPr lang="en-US" dirty="0"/>
+          </a:p>
+        </p:txBody>
+      </p:sp>
+      <p:sp>
+        <p:nvSpPr>
+          <p:cNvPr id="5" name="Text Placeholder 4"/>
           <p:cNvSpPr>
             <a:spLocks noGrp="1"/>
           </p:cNvSpPr>
@@ -1672,8 +1481,8 @@
         </p:nvSpPr>
         <p:spPr>
           <a:xfrm>
-            <a:off x="6172200" y="1681163"/>
-            <a:ext cx="5183188" cy="823912"/>
+            <a:off x="6561177" y="1681163"/>
+            <a:ext cx="5509837" cy="823912"/>
           </a:xfrm>
         </p:spPr>
         <p:txBody>
@@ -1727,13 +1536,7 @@
       </p:sp>
       <p:sp>
         <p:nvSpPr>
-          <p:cNvPr id="6" name="Inhaltsplatzhalter 5">
-            <a:extLst>
-              <a:ext uri="{FF2B5EF4-FFF2-40B4-BE49-F238E27FC236}">
-                <a16:creationId xmlns:a16="http://schemas.microsoft.com/office/drawing/2014/main" id="{672C797C-D177-6DEB-847D-96C249C31E68}"/>
-              </a:ext>
-            </a:extLst>
-          </p:cNvPr>
+          <p:cNvPr id="6" name="Content Placeholder 5"/>
           <p:cNvSpPr>
             <a:spLocks noGrp="1"/>
           </p:cNvSpPr>
@@ -1743,8 +1546,8 @@
         </p:nvSpPr>
         <p:spPr>
           <a:xfrm>
-            <a:off x="6172200" y="2505075"/>
-            <a:ext cx="5183188" cy="3684588"/>
+            <a:off x="6561177" y="2505075"/>
+            <a:ext cx="5509837" cy="3684588"/>
           </a:xfrm>
         </p:spPr>
         <p:txBody>
@@ -1784,18 +1587,13 @@
               <a:rPr lang="de-DE"/>
               <a:t>Fünfte Ebene</a:t>
             </a:r>
-          </a:p>
-        </p:txBody>
-      </p:sp>
-      <p:sp>
-        <p:nvSpPr>
-          <p:cNvPr id="7" name="Datumsplatzhalter 6">
-            <a:extLst>
-              <a:ext uri="{FF2B5EF4-FFF2-40B4-BE49-F238E27FC236}">
-                <a16:creationId xmlns:a16="http://schemas.microsoft.com/office/drawing/2014/main" id="{FED24722-2A9B-BFD2-5B1C-097139D741DE}"/>
-              </a:ext>
-            </a:extLst>
-          </p:cNvPr>
+            <a:endParaRPr lang="en-US" dirty="0"/>
+          </a:p>
+        </p:txBody>
+      </p:sp>
+      <p:sp>
+        <p:nvSpPr>
+          <p:cNvPr id="7" name="Date Placeholder 6"/>
           <p:cNvSpPr>
             <a:spLocks noGrp="1"/>
           </p:cNvSpPr>
@@ -1810,7 +1608,7 @@
           <a:p>
             <a:fld id="{DC360B5C-6821-43F8-ABAB-85D166C80C1F}" type="datetimeFigureOut">
               <a:rPr lang="de-DE" smtClean="0"/>
-              <a:t>27.02.2024</a:t>
+              <a:t>06.03.2024</a:t>
             </a:fld>
             <a:endParaRPr lang="de-DE"/>
           </a:p>
@@ -1818,13 +1616,7 @@
       </p:sp>
       <p:sp>
         <p:nvSpPr>
-          <p:cNvPr id="8" name="Fußzeilenplatzhalter 7">
-            <a:extLst>
-              <a:ext uri="{FF2B5EF4-FFF2-40B4-BE49-F238E27FC236}">
-                <a16:creationId xmlns:a16="http://schemas.microsoft.com/office/drawing/2014/main" id="{D6077F66-3872-6968-D547-D0B22CED59A0}"/>
-              </a:ext>
-            </a:extLst>
-          </p:cNvPr>
+          <p:cNvPr id="8" name="Footer Placeholder 7"/>
           <p:cNvSpPr>
             <a:spLocks noGrp="1"/>
           </p:cNvSpPr>
@@ -1843,13 +1635,7 @@
       </p:sp>
       <p:sp>
         <p:nvSpPr>
-          <p:cNvPr id="9" name="Foliennummernplatzhalter 8">
-            <a:extLst>
-              <a:ext uri="{FF2B5EF4-FFF2-40B4-BE49-F238E27FC236}">
-                <a16:creationId xmlns:a16="http://schemas.microsoft.com/office/drawing/2014/main" id="{C293D8CE-C22B-1B1C-1ADF-FCFC5305B99F}"/>
-              </a:ext>
-            </a:extLst>
-          </p:cNvPr>
+          <p:cNvPr id="9" name="Slide Number Placeholder 8"/>
           <p:cNvSpPr>
             <a:spLocks noGrp="1"/>
           </p:cNvSpPr>
@@ -1873,7 +1659,7 @@
     </p:spTree>
     <p:extLst>
       <p:ext uri="{BB962C8B-B14F-4D97-AF65-F5344CB8AC3E}">
-        <p14:creationId xmlns:p14="http://schemas.microsoft.com/office/powerpoint/2010/main" val="199487960"/>
+        <p14:creationId xmlns:p14="http://schemas.microsoft.com/office/powerpoint/2010/main" val="932097634"/>
       </p:ext>
     </p:extLst>
   </p:cSld>
@@ -1902,13 +1688,7 @@
       </p:grpSpPr>
       <p:sp>
         <p:nvSpPr>
-          <p:cNvPr id="2" name="Titel 1">
-            <a:extLst>
-              <a:ext uri="{FF2B5EF4-FFF2-40B4-BE49-F238E27FC236}">
-                <a16:creationId xmlns:a16="http://schemas.microsoft.com/office/drawing/2014/main" id="{1621728D-7E3F-89D5-8D36-760ABDE06A8C}"/>
-              </a:ext>
-            </a:extLst>
-          </p:cNvPr>
+          <p:cNvPr id="2" name="Title 1"/>
           <p:cNvSpPr>
             <a:spLocks noGrp="1"/>
           </p:cNvSpPr>
@@ -1925,18 +1705,13 @@
               <a:rPr lang="de-DE"/>
               <a:t>Mastertitelformat bearbeiten</a:t>
             </a:r>
-          </a:p>
-        </p:txBody>
-      </p:sp>
-      <p:sp>
-        <p:nvSpPr>
-          <p:cNvPr id="3" name="Datumsplatzhalter 2">
-            <a:extLst>
-              <a:ext uri="{FF2B5EF4-FFF2-40B4-BE49-F238E27FC236}">
-                <a16:creationId xmlns:a16="http://schemas.microsoft.com/office/drawing/2014/main" id="{9813D0BB-B7E1-5E5C-7430-B590AD34FE3B}"/>
-              </a:ext>
-            </a:extLst>
-          </p:cNvPr>
+            <a:endParaRPr lang="en-US" dirty="0"/>
+          </a:p>
+        </p:txBody>
+      </p:sp>
+      <p:sp>
+        <p:nvSpPr>
+          <p:cNvPr id="3" name="Date Placeholder 2"/>
           <p:cNvSpPr>
             <a:spLocks noGrp="1"/>
           </p:cNvSpPr>
@@ -1951,7 +1726,7 @@
           <a:p>
             <a:fld id="{DC360B5C-6821-43F8-ABAB-85D166C80C1F}" type="datetimeFigureOut">
               <a:rPr lang="de-DE" smtClean="0"/>
-              <a:t>27.02.2024</a:t>
+              <a:t>06.03.2024</a:t>
             </a:fld>
             <a:endParaRPr lang="de-DE"/>
           </a:p>
@@ -1959,13 +1734,7 @@
       </p:sp>
       <p:sp>
         <p:nvSpPr>
-          <p:cNvPr id="4" name="Fußzeilenplatzhalter 3">
-            <a:extLst>
-              <a:ext uri="{FF2B5EF4-FFF2-40B4-BE49-F238E27FC236}">
-                <a16:creationId xmlns:a16="http://schemas.microsoft.com/office/drawing/2014/main" id="{824575D3-A6FA-6BC6-A43A-73CE49CC1330}"/>
-              </a:ext>
-            </a:extLst>
-          </p:cNvPr>
+          <p:cNvPr id="4" name="Footer Placeholder 3"/>
           <p:cNvSpPr>
             <a:spLocks noGrp="1"/>
           </p:cNvSpPr>
@@ -1984,13 +1753,7 @@
       </p:sp>
       <p:sp>
         <p:nvSpPr>
-          <p:cNvPr id="5" name="Foliennummernplatzhalter 4">
-            <a:extLst>
-              <a:ext uri="{FF2B5EF4-FFF2-40B4-BE49-F238E27FC236}">
-                <a16:creationId xmlns:a16="http://schemas.microsoft.com/office/drawing/2014/main" id="{D743B1ED-F35F-3D7B-7E2E-FDCE2F77FAC2}"/>
-              </a:ext>
-            </a:extLst>
-          </p:cNvPr>
+          <p:cNvPr id="5" name="Slide Number Placeholder 4"/>
           <p:cNvSpPr>
             <a:spLocks noGrp="1"/>
           </p:cNvSpPr>
@@ -2014,7 +1777,7 @@
     </p:spTree>
     <p:extLst>
       <p:ext uri="{BB962C8B-B14F-4D97-AF65-F5344CB8AC3E}">
-        <p14:creationId xmlns:p14="http://schemas.microsoft.com/office/powerpoint/2010/main" val="3801010007"/>
+        <p14:creationId xmlns:p14="http://schemas.microsoft.com/office/powerpoint/2010/main" val="1934065398"/>
       </p:ext>
     </p:extLst>
   </p:cSld>
@@ -2043,13 +1806,7 @@
       </p:grpSpPr>
       <p:sp>
         <p:nvSpPr>
-          <p:cNvPr id="2" name="Datumsplatzhalter 1">
-            <a:extLst>
-              <a:ext uri="{FF2B5EF4-FFF2-40B4-BE49-F238E27FC236}">
-                <a16:creationId xmlns:a16="http://schemas.microsoft.com/office/drawing/2014/main" id="{F5F5680E-6AD6-DDDB-5F49-F24F8F79BE82}"/>
-              </a:ext>
-            </a:extLst>
-          </p:cNvPr>
+          <p:cNvPr id="2" name="Date Placeholder 1"/>
           <p:cNvSpPr>
             <a:spLocks noGrp="1"/>
           </p:cNvSpPr>
@@ -2064,7 +1821,7 @@
           <a:p>
             <a:fld id="{DC360B5C-6821-43F8-ABAB-85D166C80C1F}" type="datetimeFigureOut">
               <a:rPr lang="de-DE" smtClean="0"/>
-              <a:t>27.02.2024</a:t>
+              <a:t>06.03.2024</a:t>
             </a:fld>
             <a:endParaRPr lang="de-DE"/>
           </a:p>
@@ -2072,13 +1829,7 @@
       </p:sp>
       <p:sp>
         <p:nvSpPr>
-          <p:cNvPr id="3" name="Fußzeilenplatzhalter 2">
-            <a:extLst>
-              <a:ext uri="{FF2B5EF4-FFF2-40B4-BE49-F238E27FC236}">
-                <a16:creationId xmlns:a16="http://schemas.microsoft.com/office/drawing/2014/main" id="{74E19070-6193-978B-4C24-9ADFFE570DC0}"/>
-              </a:ext>
-            </a:extLst>
-          </p:cNvPr>
+          <p:cNvPr id="3" name="Footer Placeholder 2"/>
           <p:cNvSpPr>
             <a:spLocks noGrp="1"/>
           </p:cNvSpPr>
@@ -2097,13 +1848,7 @@
       </p:sp>
       <p:sp>
         <p:nvSpPr>
-          <p:cNvPr id="4" name="Foliennummernplatzhalter 3">
-            <a:extLst>
-              <a:ext uri="{FF2B5EF4-FFF2-40B4-BE49-F238E27FC236}">
-                <a16:creationId xmlns:a16="http://schemas.microsoft.com/office/drawing/2014/main" id="{82C62D06-A9FA-A381-BC12-4AD8863341BF}"/>
-              </a:ext>
-            </a:extLst>
-          </p:cNvPr>
+          <p:cNvPr id="4" name="Slide Number Placeholder 3"/>
           <p:cNvSpPr>
             <a:spLocks noGrp="1"/>
           </p:cNvSpPr>
@@ -2127,7 +1872,7 @@
     </p:spTree>
     <p:extLst>
       <p:ext uri="{BB962C8B-B14F-4D97-AF65-F5344CB8AC3E}">
-        <p14:creationId xmlns:p14="http://schemas.microsoft.com/office/powerpoint/2010/main" val="1325364244"/>
+        <p14:creationId xmlns:p14="http://schemas.microsoft.com/office/powerpoint/2010/main" val="2870280391"/>
       </p:ext>
     </p:extLst>
   </p:cSld>
@@ -2156,13 +1901,7 @@
       </p:grpSpPr>
       <p:sp>
         <p:nvSpPr>
-          <p:cNvPr id="2" name="Titel 1">
-            <a:extLst>
-              <a:ext uri="{FF2B5EF4-FFF2-40B4-BE49-F238E27FC236}">
-                <a16:creationId xmlns:a16="http://schemas.microsoft.com/office/drawing/2014/main" id="{2BCA608F-AEF6-3899-61E8-DEBD2EC37B70}"/>
-              </a:ext>
-            </a:extLst>
-          </p:cNvPr>
+          <p:cNvPr id="2" name="Title 1"/>
           <p:cNvSpPr>
             <a:spLocks noGrp="1"/>
           </p:cNvSpPr>
@@ -2172,8 +1911,8 @@
         </p:nvSpPr>
         <p:spPr>
           <a:xfrm>
-            <a:off x="839788" y="457200"/>
-            <a:ext cx="3932237" cy="1600200"/>
+            <a:off x="892713" y="457200"/>
+            <a:ext cx="4180050" cy="1600200"/>
           </a:xfrm>
         </p:spPr>
         <p:txBody>
@@ -2188,18 +1927,13 @@
               <a:rPr lang="de-DE"/>
               <a:t>Mastertitelformat bearbeiten</a:t>
             </a:r>
-          </a:p>
-        </p:txBody>
-      </p:sp>
-      <p:sp>
-        <p:nvSpPr>
-          <p:cNvPr id="3" name="Inhaltsplatzhalter 2">
-            <a:extLst>
-              <a:ext uri="{FF2B5EF4-FFF2-40B4-BE49-F238E27FC236}">
-                <a16:creationId xmlns:a16="http://schemas.microsoft.com/office/drawing/2014/main" id="{A9D53EDC-EC2D-083F-8808-2CCAF30A69AD}"/>
-              </a:ext>
-            </a:extLst>
-          </p:cNvPr>
+            <a:endParaRPr lang="en-US" dirty="0"/>
+          </a:p>
+        </p:txBody>
+      </p:sp>
+      <p:sp>
+        <p:nvSpPr>
+          <p:cNvPr id="3" name="Content Placeholder 2"/>
           <p:cNvSpPr>
             <a:spLocks noGrp="1"/>
           </p:cNvSpPr>
@@ -2209,8 +1943,8 @@
         </p:nvSpPr>
         <p:spPr>
           <a:xfrm>
-            <a:off x="5183188" y="987425"/>
-            <a:ext cx="6172200" cy="4873625"/>
+            <a:off x="5509837" y="987426"/>
+            <a:ext cx="6561177" cy="4873625"/>
           </a:xfrm>
         </p:spPr>
         <p:txBody>
@@ -2278,18 +2012,13 @@
               <a:rPr lang="de-DE"/>
               <a:t>Fünfte Ebene</a:t>
             </a:r>
-          </a:p>
-        </p:txBody>
-      </p:sp>
-      <p:sp>
-        <p:nvSpPr>
-          <p:cNvPr id="4" name="Textplatzhalter 3">
-            <a:extLst>
-              <a:ext uri="{FF2B5EF4-FFF2-40B4-BE49-F238E27FC236}">
-                <a16:creationId xmlns:a16="http://schemas.microsoft.com/office/drawing/2014/main" id="{C31E301F-C17F-8D9B-8265-3969F1E2CDB4}"/>
-              </a:ext>
-            </a:extLst>
-          </p:cNvPr>
+            <a:endParaRPr lang="en-US" dirty="0"/>
+          </a:p>
+        </p:txBody>
+      </p:sp>
+      <p:sp>
+        <p:nvSpPr>
+          <p:cNvPr id="4" name="Text Placeholder 3"/>
           <p:cNvSpPr>
             <a:spLocks noGrp="1"/>
           </p:cNvSpPr>
@@ -2299,8 +2028,8 @@
         </p:nvSpPr>
         <p:spPr>
           <a:xfrm>
-            <a:off x="839788" y="2057400"/>
-            <a:ext cx="3932237" cy="3811588"/>
+            <a:off x="892713" y="2057400"/>
+            <a:ext cx="4180050" cy="3811588"/>
           </a:xfrm>
         </p:spPr>
         <p:txBody>
@@ -2354,13 +2083,7 @@
       </p:sp>
       <p:sp>
         <p:nvSpPr>
-          <p:cNvPr id="5" name="Datumsplatzhalter 4">
-            <a:extLst>
-              <a:ext uri="{FF2B5EF4-FFF2-40B4-BE49-F238E27FC236}">
-                <a16:creationId xmlns:a16="http://schemas.microsoft.com/office/drawing/2014/main" id="{8F665C5D-4FF2-6CE8-88AF-42034D888A11}"/>
-              </a:ext>
-            </a:extLst>
-          </p:cNvPr>
+          <p:cNvPr id="5" name="Date Placeholder 4"/>
           <p:cNvSpPr>
             <a:spLocks noGrp="1"/>
           </p:cNvSpPr>
@@ -2375,7 +2098,7 @@
           <a:p>
             <a:fld id="{DC360B5C-6821-43F8-ABAB-85D166C80C1F}" type="datetimeFigureOut">
               <a:rPr lang="de-DE" smtClean="0"/>
-              <a:t>27.02.2024</a:t>
+              <a:t>06.03.2024</a:t>
             </a:fld>
             <a:endParaRPr lang="de-DE"/>
           </a:p>
@@ -2383,13 +2106,7 @@
       </p:sp>
       <p:sp>
         <p:nvSpPr>
-          <p:cNvPr id="6" name="Fußzeilenplatzhalter 5">
-            <a:extLst>
-              <a:ext uri="{FF2B5EF4-FFF2-40B4-BE49-F238E27FC236}">
-                <a16:creationId xmlns:a16="http://schemas.microsoft.com/office/drawing/2014/main" id="{C36AFF4A-A298-B59B-F073-D1C6E13E3E06}"/>
-              </a:ext>
-            </a:extLst>
-          </p:cNvPr>
+          <p:cNvPr id="6" name="Footer Placeholder 5"/>
           <p:cNvSpPr>
             <a:spLocks noGrp="1"/>
           </p:cNvSpPr>
@@ -2408,13 +2125,7 @@
       </p:sp>
       <p:sp>
         <p:nvSpPr>
-          <p:cNvPr id="7" name="Foliennummernplatzhalter 6">
-            <a:extLst>
-              <a:ext uri="{FF2B5EF4-FFF2-40B4-BE49-F238E27FC236}">
-                <a16:creationId xmlns:a16="http://schemas.microsoft.com/office/drawing/2014/main" id="{3D1D8632-366C-F852-32E5-FB63799DB34B}"/>
-              </a:ext>
-            </a:extLst>
-          </p:cNvPr>
+          <p:cNvPr id="7" name="Slide Number Placeholder 6"/>
           <p:cNvSpPr>
             <a:spLocks noGrp="1"/>
           </p:cNvSpPr>
@@ -2438,7 +2149,7 @@
     </p:spTree>
     <p:extLst>
       <p:ext uri="{BB962C8B-B14F-4D97-AF65-F5344CB8AC3E}">
-        <p14:creationId xmlns:p14="http://schemas.microsoft.com/office/powerpoint/2010/main" val="1136173019"/>
+        <p14:creationId xmlns:p14="http://schemas.microsoft.com/office/powerpoint/2010/main" val="1477777779"/>
       </p:ext>
     </p:extLst>
   </p:cSld>
@@ -2467,13 +2178,7 @@
       </p:grpSpPr>
       <p:sp>
         <p:nvSpPr>
-          <p:cNvPr id="2" name="Titel 1">
-            <a:extLst>
-              <a:ext uri="{FF2B5EF4-FFF2-40B4-BE49-F238E27FC236}">
-                <a16:creationId xmlns:a16="http://schemas.microsoft.com/office/drawing/2014/main" id="{51F90816-605C-95F7-F192-BE7A71D2F7F5}"/>
-              </a:ext>
-            </a:extLst>
-          </p:cNvPr>
+          <p:cNvPr id="2" name="Title 1"/>
           <p:cNvSpPr>
             <a:spLocks noGrp="1"/>
           </p:cNvSpPr>
@@ -2483,8 +2188,8 @@
         </p:nvSpPr>
         <p:spPr>
           <a:xfrm>
-            <a:off x="839788" y="457200"/>
-            <a:ext cx="3932237" cy="1600200"/>
+            <a:off x="892713" y="457200"/>
+            <a:ext cx="4180050" cy="1600200"/>
           </a:xfrm>
         </p:spPr>
         <p:txBody>
@@ -2499,20 +2204,15 @@
               <a:rPr lang="de-DE"/>
               <a:t>Mastertitelformat bearbeiten</a:t>
             </a:r>
-          </a:p>
-        </p:txBody>
-      </p:sp>
-      <p:sp>
-        <p:nvSpPr>
-          <p:cNvPr id="3" name="Bildplatzhalter 2">
-            <a:extLst>
-              <a:ext uri="{FF2B5EF4-FFF2-40B4-BE49-F238E27FC236}">
-                <a16:creationId xmlns:a16="http://schemas.microsoft.com/office/drawing/2014/main" id="{373C5A44-F340-E489-4C4E-248F065071C9}"/>
-              </a:ext>
-            </a:extLst>
-          </p:cNvPr>
+            <a:endParaRPr lang="en-US" dirty="0"/>
+          </a:p>
+        </p:txBody>
+      </p:sp>
+      <p:sp>
+        <p:nvSpPr>
+          <p:cNvPr id="3" name="Picture Placeholder 2"/>
           <p:cNvSpPr>
-            <a:spLocks noGrp="1"/>
+            <a:spLocks noGrp="1" noChangeAspect="1"/>
           </p:cNvSpPr>
           <p:nvPr>
             <p:ph type="pic" idx="1"/>
@@ -2520,12 +2220,12 @@
         </p:nvSpPr>
         <p:spPr>
           <a:xfrm>
-            <a:off x="5183188" y="987425"/>
-            <a:ext cx="6172200" cy="4873625"/>
+            <a:off x="5509837" y="987426"/>
+            <a:ext cx="6561177" cy="4873625"/>
           </a:xfrm>
         </p:spPr>
         <p:txBody>
-          <a:bodyPr/>
+          <a:bodyPr anchor="t"/>
           <a:lstStyle>
             <a:lvl1pPr marL="0" indent="0">
               <a:buNone/>
@@ -2565,19 +2265,17 @@
             </a:lvl9pPr>
           </a:lstStyle>
           <a:p>
-            <a:endParaRPr lang="de-DE"/>
-          </a:p>
-        </p:txBody>
-      </p:sp>
-      <p:sp>
-        <p:nvSpPr>
-          <p:cNvPr id="4" name="Textplatzhalter 3">
-            <a:extLst>
-              <a:ext uri="{FF2B5EF4-FFF2-40B4-BE49-F238E27FC236}">
-                <a16:creationId xmlns:a16="http://schemas.microsoft.com/office/drawing/2014/main" id="{8BB7BE54-8BCA-2FF0-9E85-3359FADF0A8A}"/>
-              </a:ext>
-            </a:extLst>
-          </p:cNvPr>
+            <a:r>
+              <a:rPr lang="de-DE"/>
+              <a:t>Bild durch Klicken auf Symbol hinzufügen</a:t>
+            </a:r>
+            <a:endParaRPr lang="en-US" dirty="0"/>
+          </a:p>
+        </p:txBody>
+      </p:sp>
+      <p:sp>
+        <p:nvSpPr>
+          <p:cNvPr id="4" name="Text Placeholder 3"/>
           <p:cNvSpPr>
             <a:spLocks noGrp="1"/>
           </p:cNvSpPr>
@@ -2587,8 +2285,8 @@
         </p:nvSpPr>
         <p:spPr>
           <a:xfrm>
-            <a:off x="839788" y="2057400"/>
-            <a:ext cx="3932237" cy="3811588"/>
+            <a:off x="892713" y="2057400"/>
+            <a:ext cx="4180050" cy="3811588"/>
           </a:xfrm>
         </p:spPr>
         <p:txBody>
@@ -2642,13 +2340,7 @@
       </p:sp>
       <p:sp>
         <p:nvSpPr>
-          <p:cNvPr id="5" name="Datumsplatzhalter 4">
-            <a:extLst>
-              <a:ext uri="{FF2B5EF4-FFF2-40B4-BE49-F238E27FC236}">
-                <a16:creationId xmlns:a16="http://schemas.microsoft.com/office/drawing/2014/main" id="{4F72D8D8-9F91-23A4-CB34-3E131B8C82EA}"/>
-              </a:ext>
-            </a:extLst>
-          </p:cNvPr>
+          <p:cNvPr id="5" name="Date Placeholder 4"/>
           <p:cNvSpPr>
             <a:spLocks noGrp="1"/>
           </p:cNvSpPr>
@@ -2663,7 +2355,7 @@
           <a:p>
             <a:fld id="{DC360B5C-6821-43F8-ABAB-85D166C80C1F}" type="datetimeFigureOut">
               <a:rPr lang="de-DE" smtClean="0"/>
-              <a:t>27.02.2024</a:t>
+              <a:t>06.03.2024</a:t>
             </a:fld>
             <a:endParaRPr lang="de-DE"/>
           </a:p>
@@ -2671,13 +2363,7 @@
       </p:sp>
       <p:sp>
         <p:nvSpPr>
-          <p:cNvPr id="6" name="Fußzeilenplatzhalter 5">
-            <a:extLst>
-              <a:ext uri="{FF2B5EF4-FFF2-40B4-BE49-F238E27FC236}">
-                <a16:creationId xmlns:a16="http://schemas.microsoft.com/office/drawing/2014/main" id="{4A81BD39-CD24-E5A7-4170-20ABB8A6D502}"/>
-              </a:ext>
-            </a:extLst>
-          </p:cNvPr>
+          <p:cNvPr id="6" name="Footer Placeholder 5"/>
           <p:cNvSpPr>
             <a:spLocks noGrp="1"/>
           </p:cNvSpPr>
@@ -2696,13 +2382,7 @@
       </p:sp>
       <p:sp>
         <p:nvSpPr>
-          <p:cNvPr id="7" name="Foliennummernplatzhalter 6">
-            <a:extLst>
-              <a:ext uri="{FF2B5EF4-FFF2-40B4-BE49-F238E27FC236}">
-                <a16:creationId xmlns:a16="http://schemas.microsoft.com/office/drawing/2014/main" id="{239C0355-1565-B1A1-BF2F-1A2291D0716E}"/>
-              </a:ext>
-            </a:extLst>
-          </p:cNvPr>
+          <p:cNvPr id="7" name="Slide Number Placeholder 6"/>
           <p:cNvSpPr>
             <a:spLocks noGrp="1"/>
           </p:cNvSpPr>
@@ -2726,7 +2406,7 @@
     </p:spTree>
     <p:extLst>
       <p:ext uri="{BB962C8B-B14F-4D97-AF65-F5344CB8AC3E}">
-        <p14:creationId xmlns:p14="http://schemas.microsoft.com/office/powerpoint/2010/main" val="3263245382"/>
+        <p14:creationId xmlns:p14="http://schemas.microsoft.com/office/powerpoint/2010/main" val="2682841386"/>
       </p:ext>
     </p:extLst>
   </p:cSld>
@@ -2760,13 +2440,7 @@
       </p:grpSpPr>
       <p:sp>
         <p:nvSpPr>
-          <p:cNvPr id="2" name="Titelplatzhalter 1">
-            <a:extLst>
-              <a:ext uri="{FF2B5EF4-FFF2-40B4-BE49-F238E27FC236}">
-                <a16:creationId xmlns:a16="http://schemas.microsoft.com/office/drawing/2014/main" id="{6FB6F829-A4DF-07AD-CAEE-7EDEBCEAEB7F}"/>
-              </a:ext>
-            </a:extLst>
-          </p:cNvPr>
+          <p:cNvPr id="2" name="Title Placeholder 1"/>
           <p:cNvSpPr>
             <a:spLocks noGrp="1"/>
           </p:cNvSpPr>
@@ -2776,8 +2450,8 @@
         </p:nvSpPr>
         <p:spPr>
           <a:xfrm>
-            <a:off x="838200" y="365125"/>
-            <a:ext cx="10515600" cy="1325563"/>
+            <a:off x="891024" y="365126"/>
+            <a:ext cx="11178302" cy="1325563"/>
           </a:xfrm>
           <a:prstGeom prst="rect">
             <a:avLst/>
@@ -2793,18 +2467,13 @@
               <a:rPr lang="de-DE"/>
               <a:t>Mastertitelformat bearbeiten</a:t>
             </a:r>
-          </a:p>
-        </p:txBody>
-      </p:sp>
-      <p:sp>
-        <p:nvSpPr>
-          <p:cNvPr id="3" name="Textplatzhalter 2">
-            <a:extLst>
-              <a:ext uri="{FF2B5EF4-FFF2-40B4-BE49-F238E27FC236}">
-                <a16:creationId xmlns:a16="http://schemas.microsoft.com/office/drawing/2014/main" id="{518DF185-B4BD-7960-7494-0D0E9089485C}"/>
-              </a:ext>
-            </a:extLst>
-          </p:cNvPr>
+            <a:endParaRPr lang="en-US" dirty="0"/>
+          </a:p>
+        </p:txBody>
+      </p:sp>
+      <p:sp>
+        <p:nvSpPr>
+          <p:cNvPr id="3" name="Text Placeholder 2"/>
           <p:cNvSpPr>
             <a:spLocks noGrp="1"/>
           </p:cNvSpPr>
@@ -2814,8 +2483,8 @@
         </p:nvSpPr>
         <p:spPr>
           <a:xfrm>
-            <a:off x="838200" y="1825625"/>
-            <a:ext cx="10515600" cy="4351338"/>
+            <a:off x="891024" y="1825625"/>
+            <a:ext cx="11178302" cy="4351338"/>
           </a:xfrm>
           <a:prstGeom prst="rect">
             <a:avLst/>
@@ -2860,18 +2529,13 @@
               <a:rPr lang="de-DE"/>
               <a:t>Fünfte Ebene</a:t>
             </a:r>
-          </a:p>
-        </p:txBody>
-      </p:sp>
-      <p:sp>
-        <p:nvSpPr>
-          <p:cNvPr id="4" name="Datumsplatzhalter 3">
-            <a:extLst>
-              <a:ext uri="{FF2B5EF4-FFF2-40B4-BE49-F238E27FC236}">
-                <a16:creationId xmlns:a16="http://schemas.microsoft.com/office/drawing/2014/main" id="{55E8FC10-BB07-366E-E117-7E2735DA4D01}"/>
-              </a:ext>
-            </a:extLst>
-          </p:cNvPr>
+            <a:endParaRPr lang="en-US" dirty="0"/>
+          </a:p>
+        </p:txBody>
+      </p:sp>
+      <p:sp>
+        <p:nvSpPr>
+          <p:cNvPr id="4" name="Date Placeholder 3"/>
           <p:cNvSpPr>
             <a:spLocks noGrp="1"/>
           </p:cNvSpPr>
@@ -2881,8 +2545,8 @@
         </p:nvSpPr>
         <p:spPr>
           <a:xfrm>
-            <a:off x="838200" y="6356350"/>
-            <a:ext cx="2743200" cy="365125"/>
+            <a:off x="891024" y="6356351"/>
+            <a:ext cx="2916079" cy="365125"/>
           </a:xfrm>
           <a:prstGeom prst="rect">
             <a:avLst/>
@@ -2904,7 +2568,7 @@
           <a:p>
             <a:fld id="{DC360B5C-6821-43F8-ABAB-85D166C80C1F}" type="datetimeFigureOut">
               <a:rPr lang="de-DE" smtClean="0"/>
-              <a:t>27.02.2024</a:t>
+              <a:t>06.03.2024</a:t>
             </a:fld>
             <a:endParaRPr lang="de-DE"/>
           </a:p>
@@ -2912,13 +2576,7 @@
       </p:sp>
       <p:sp>
         <p:nvSpPr>
-          <p:cNvPr id="5" name="Fußzeilenplatzhalter 4">
-            <a:extLst>
-              <a:ext uri="{FF2B5EF4-FFF2-40B4-BE49-F238E27FC236}">
-                <a16:creationId xmlns:a16="http://schemas.microsoft.com/office/drawing/2014/main" id="{E0BCA8EB-0ABA-40B4-9C88-C06CB6AFC04F}"/>
-              </a:ext>
-            </a:extLst>
-          </p:cNvPr>
+          <p:cNvPr id="5" name="Footer Placeholder 4"/>
           <p:cNvSpPr>
             <a:spLocks noGrp="1"/>
           </p:cNvSpPr>
@@ -2928,8 +2586,8 @@
         </p:nvSpPr>
         <p:spPr>
           <a:xfrm>
-            <a:off x="4038600" y="6356350"/>
-            <a:ext cx="4114800" cy="365125"/>
+            <a:off x="4293116" y="6356351"/>
+            <a:ext cx="4374118" cy="365125"/>
           </a:xfrm>
           <a:prstGeom prst="rect">
             <a:avLst/>
@@ -2955,13 +2613,7 @@
       </p:sp>
       <p:sp>
         <p:nvSpPr>
-          <p:cNvPr id="6" name="Foliennummernplatzhalter 5">
-            <a:extLst>
-              <a:ext uri="{FF2B5EF4-FFF2-40B4-BE49-F238E27FC236}">
-                <a16:creationId xmlns:a16="http://schemas.microsoft.com/office/drawing/2014/main" id="{075AB709-7D3B-A3A1-E154-E64B0E1F2B88}"/>
-              </a:ext>
-            </a:extLst>
-          </p:cNvPr>
+          <p:cNvPr id="6" name="Slide Number Placeholder 5"/>
           <p:cNvSpPr>
             <a:spLocks noGrp="1"/>
           </p:cNvSpPr>
@@ -2971,8 +2623,8 @@
         </p:nvSpPr>
         <p:spPr>
           <a:xfrm>
-            <a:off x="8610600" y="6356350"/>
-            <a:ext cx="2743200" cy="365125"/>
+            <a:off x="9153247" y="6356351"/>
+            <a:ext cx="2916079" cy="365125"/>
           </a:xfrm>
           <a:prstGeom prst="rect">
             <a:avLst/>
@@ -3003,23 +2655,23 @@
     </p:spTree>
     <p:extLst>
       <p:ext uri="{BB962C8B-B14F-4D97-AF65-F5344CB8AC3E}">
-        <p14:creationId xmlns:p14="http://schemas.microsoft.com/office/powerpoint/2010/main" val="3110039922"/>
+        <p14:creationId xmlns:p14="http://schemas.microsoft.com/office/powerpoint/2010/main" val="3360205754"/>
       </p:ext>
     </p:extLst>
   </p:cSld>
   <p:clrMap bg1="lt1" tx1="dk1" bg2="lt2" tx2="dk2" accent1="accent1" accent2="accent2" accent3="accent3" accent4="accent4" accent5="accent5" accent6="accent6" hlink="hlink" folHlink="folHlink"/>
   <p:sldLayoutIdLst>
-    <p:sldLayoutId id="2147483649" r:id="rId1"/>
-    <p:sldLayoutId id="2147483650" r:id="rId2"/>
-    <p:sldLayoutId id="2147483651" r:id="rId3"/>
-    <p:sldLayoutId id="2147483652" r:id="rId4"/>
-    <p:sldLayoutId id="2147483653" r:id="rId5"/>
-    <p:sldLayoutId id="2147483654" r:id="rId6"/>
-    <p:sldLayoutId id="2147483655" r:id="rId7"/>
-    <p:sldLayoutId id="2147483656" r:id="rId8"/>
-    <p:sldLayoutId id="2147483657" r:id="rId9"/>
-    <p:sldLayoutId id="2147483658" r:id="rId10"/>
-    <p:sldLayoutId id="2147483659" r:id="rId11"/>
+    <p:sldLayoutId id="2147483661" r:id="rId1"/>
+    <p:sldLayoutId id="2147483662" r:id="rId2"/>
+    <p:sldLayoutId id="2147483663" r:id="rId3"/>
+    <p:sldLayoutId id="2147483664" r:id="rId4"/>
+    <p:sldLayoutId id="2147483665" r:id="rId5"/>
+    <p:sldLayoutId id="2147483666" r:id="rId6"/>
+    <p:sldLayoutId id="2147483667" r:id="rId7"/>
+    <p:sldLayoutId id="2147483668" r:id="rId8"/>
+    <p:sldLayoutId id="2147483669" r:id="rId9"/>
+    <p:sldLayoutId id="2147483670" r:id="rId10"/>
+    <p:sldLayoutId id="2147483671" r:id="rId11"/>
   </p:sldLayoutIdLst>
   <p:txStyles>
     <p:titleStyle>
@@ -3207,7 +2859,7 @@
     </p:bodyStyle>
     <p:otherStyle>
       <a:defPPr>
-        <a:defRPr lang="de-DE"/>
+        <a:defRPr lang="en-US"/>
       </a:defPPr>
       <a:lvl1pPr marL="0" algn="l" defTabSz="914400" rtl="0" eaLnBrk="1" latinLnBrk="0" hangingPunct="1">
         <a:defRPr sz="1800" kern="1200">
@@ -3321,60 +2973,180 @@
           <a:chExt cx="0" cy="0"/>
         </a:xfrm>
       </p:grpSpPr>
-      <p:sp>
-        <p:nvSpPr>
-          <p:cNvPr id="68" name="Rechteck 67">
-            <a:extLst>
-              <a:ext uri="{FF2B5EF4-FFF2-40B4-BE49-F238E27FC236}">
-                <a16:creationId xmlns:a16="http://schemas.microsoft.com/office/drawing/2014/main" id="{D4673A63-E3DD-F996-FE62-A737602CC636}"/>
-              </a:ext>
-            </a:extLst>
-          </p:cNvPr>
-          <p:cNvSpPr/>
-          <p:nvPr/>
-        </p:nvSpPr>
-        <p:spPr>
-          <a:xfrm>
-            <a:off x="74428" y="180753"/>
-            <a:ext cx="9441711" cy="6539024"/>
-          </a:xfrm>
-          <a:prstGeom prst="rect">
-            <a:avLst/>
-          </a:prstGeom>
-          <a:solidFill>
-            <a:schemeClr val="bg1">
-              <a:lumMod val="85000"/>
-            </a:schemeClr>
-          </a:solidFill>
-          <a:ln>
-            <a:noFill/>
-          </a:ln>
-        </p:spPr>
-        <p:style>
-          <a:lnRef idx="2">
-            <a:schemeClr val="accent1">
-              <a:shade val="15000"/>
-            </a:schemeClr>
-          </a:lnRef>
-          <a:fillRef idx="1">
-            <a:schemeClr val="accent1"/>
-          </a:fillRef>
-          <a:effectRef idx="0">
-            <a:schemeClr val="accent1"/>
-          </a:effectRef>
-          <a:fontRef idx="minor">
-            <a:schemeClr val="lt1"/>
-          </a:fontRef>
-        </p:style>
-        <p:txBody>
-          <a:bodyPr rtlCol="0" anchor="ctr"/>
-          <a:lstStyle/>
-          <a:p>
-            <a:pPr algn="ctr"/>
-            <a:endParaRPr lang="de-DE"/>
-          </a:p>
-        </p:txBody>
-      </p:sp>
+      <mc:AlternateContent xmlns:mc="http://schemas.openxmlformats.org/markup-compatibility/2006">
+        <mc:Choice xmlns:a14="http://schemas.microsoft.com/office/drawing/2010/main" Requires="a14">
+          <p:sp>
+            <p:nvSpPr>
+              <p:cNvPr id="68" name="Rechteck 67">
+                <a:extLst>
+                  <a:ext uri="{FF2B5EF4-FFF2-40B4-BE49-F238E27FC236}">
+                    <a16:creationId xmlns:a16="http://schemas.microsoft.com/office/drawing/2014/main" id="{D4673A63-E3DD-F996-FE62-A737602CC636}"/>
+                  </a:ext>
+                </a:extLst>
+              </p:cNvPr>
+              <p:cNvSpPr/>
+              <p:nvPr/>
+            </p:nvSpPr>
+            <p:spPr>
+              <a:xfrm>
+                <a:off x="984269" y="159488"/>
+                <a:ext cx="9441711" cy="6539024"/>
+              </a:xfrm>
+              <a:prstGeom prst="rect">
+                <a:avLst/>
+              </a:prstGeom>
+              <a:solidFill>
+                <a:schemeClr val="bg1">
+                  <a:lumMod val="85000"/>
+                </a:schemeClr>
+              </a:solidFill>
+              <a:ln>
+                <a:noFill/>
+              </a:ln>
+            </p:spPr>
+            <p:style>
+              <a:lnRef idx="2">
+                <a:schemeClr val="accent1">
+                  <a:shade val="15000"/>
+                </a:schemeClr>
+              </a:lnRef>
+              <a:fillRef idx="1">
+                <a:schemeClr val="accent1"/>
+              </a:fillRef>
+              <a:effectRef idx="0">
+                <a:schemeClr val="accent1"/>
+              </a:effectRef>
+              <a:fontRef idx="minor">
+                <a:schemeClr val="lt1"/>
+              </a:fontRef>
+            </p:style>
+            <p:txBody>
+              <a:bodyPr rtlCol="0" anchor="ctr"/>
+              <a:lstStyle/>
+              <a:p>
+                <a:pPr algn="ctr"/>
+                <a14:m>
+                  <m:oMathPara xmlns:m="http://schemas.openxmlformats.org/officeDocument/2006/math">
+                    <m:oMathParaPr>
+                      <m:jc m:val="centerGroup"/>
+                    </m:oMathParaPr>
+                    <m:oMath xmlns:m="http://schemas.openxmlformats.org/officeDocument/2006/math">
+                      <m:r>
+                        <a:rPr lang="de-DE" i="1" smtClean="0">
+                          <a:latin typeface="Cambria Math" panose="02040503050406030204" pitchFamily="18" charset="0"/>
+                        </a:rPr>
+                        <m:t>𝐴</m:t>
+                      </m:r>
+                      <m:r>
+                        <a:rPr lang="de-DE" i="1" smtClean="0">
+                          <a:latin typeface="Cambria Math" panose="02040503050406030204" pitchFamily="18" charset="0"/>
+                        </a:rPr>
+                        <m:t>=</m:t>
+                      </m:r>
+                      <m:r>
+                        <a:rPr lang="el-GR" i="1" smtClean="0">
+                          <a:latin typeface="Cambria Math" panose="02040503050406030204" pitchFamily="18" charset="0"/>
+                        </a:rPr>
+                        <m:t>𝜋</m:t>
+                      </m:r>
+                      <m:sSup>
+                        <m:sSupPr>
+                          <m:ctrlPr>
+                            <a:rPr lang="de-DE" i="1" smtClean="0">
+                              <a:latin typeface="Cambria Math" panose="02040503050406030204" pitchFamily="18" charset="0"/>
+                            </a:rPr>
+                          </m:ctrlPr>
+                        </m:sSupPr>
+                        <m:e>
+                          <m:r>
+                            <a:rPr lang="de-DE" i="1" smtClean="0">
+                              <a:latin typeface="Cambria Math" panose="02040503050406030204" pitchFamily="18" charset="0"/>
+                            </a:rPr>
+                            <m:t>𝑟</m:t>
+                          </m:r>
+                        </m:e>
+                        <m:sup>
+                          <m:r>
+                            <a:rPr lang="de-DE" i="1" smtClean="0">
+                              <a:latin typeface="Cambria Math" panose="02040503050406030204" pitchFamily="18" charset="0"/>
+                            </a:rPr>
+                            <m:t>2</m:t>
+                          </m:r>
+                        </m:sup>
+                      </m:sSup>
+                      <m:sSub>
+                        <m:sSubPr>
+                          <m:ctrlPr>
+                            <a:rPr lang="de-DE" i="1" smtClean="0">
+                              <a:latin typeface="Cambria Math" panose="02040503050406030204" pitchFamily="18" charset="0"/>
+                            </a:rPr>
+                          </m:ctrlPr>
+                        </m:sSubPr>
+                        <m:e/>
+                        <m:sub/>
+                      </m:sSub>
+                      <m:r>
+                        <a:rPr lang="de-DE" b="0" i="1" smtClean="0">
+                          <a:latin typeface="Cambria Math" panose="02040503050406030204" pitchFamily="18" charset="0"/>
+                        </a:rPr>
+                        <m:t>𝑎𝑠𝑠</m:t>
+                      </m:r>
+                    </m:oMath>
+                  </m:oMathPara>
+                </a14:m>
+                <a:endParaRPr lang="de-DE" dirty="0"/>
+              </a:p>
+            </p:txBody>
+          </p:sp>
+        </mc:Choice>
+        <mc:Fallback>
+          <p:sp>
+            <p:nvSpPr>
+              <p:cNvPr id="68" name="Rechteck 67">
+                <a:extLst>
+                  <a:ext uri="{FF2B5EF4-FFF2-40B4-BE49-F238E27FC236}">
+                    <a16:creationId xmlns:a16="http://schemas.microsoft.com/office/drawing/2014/main" id="{D4673A63-E3DD-F996-FE62-A737602CC636}"/>
+                  </a:ext>
+                </a:extLst>
+              </p:cNvPr>
+              <p:cNvSpPr>
+                <a:spLocks noRot="1" noChangeAspect="1" noMove="1" noResize="1" noEditPoints="1" noAdjustHandles="1" noChangeArrowheads="1" noChangeShapeType="1" noTextEdit="1"/>
+              </p:cNvSpPr>
+              <p:nvPr/>
+            </p:nvSpPr>
+            <p:spPr>
+              <a:xfrm>
+                <a:off x="984269" y="159488"/>
+                <a:ext cx="9441711" cy="6539024"/>
+              </a:xfrm>
+              <a:prstGeom prst="rect">
+                <a:avLst/>
+              </a:prstGeom>
+              <a:blipFill>
+                <a:blip r:embed="rId2"/>
+                <a:stretch>
+                  <a:fillRect/>
+                </a:stretch>
+              </a:blipFill>
+              <a:ln>
+                <a:noFill/>
+              </a:ln>
+            </p:spPr>
+            <p:txBody>
+              <a:bodyPr/>
+              <a:lstStyle/>
+              <a:p>
+                <a:r>
+                  <a:rPr lang="de-DE">
+                    <a:noFill/>
+                  </a:rPr>
+                  <a:t> </a:t>
+                </a:r>
+              </a:p>
+            </p:txBody>
+          </p:sp>
+        </mc:Fallback>
+      </mc:AlternateContent>
       <p:sp>
         <p:nvSpPr>
           <p:cNvPr id="12" name="Rechteck 11">
@@ -3389,7 +3161,7 @@
         </p:nvSpPr>
         <p:spPr>
           <a:xfrm>
-            <a:off x="372153" y="479916"/>
+            <a:off x="1282254" y="479916"/>
             <a:ext cx="2110154" cy="3265714"/>
           </a:xfrm>
           <a:prstGeom prst="rect">
@@ -3514,7 +3286,7 @@
         </p:nvSpPr>
         <p:spPr>
           <a:xfrm>
-            <a:off x="3665687" y="479916"/>
+            <a:off x="4575788" y="479916"/>
             <a:ext cx="2110154" cy="3265714"/>
           </a:xfrm>
           <a:prstGeom prst="rect">
@@ -3679,7 +3451,7 @@
         </p:nvSpPr>
         <p:spPr>
           <a:xfrm>
-            <a:off x="6959221" y="479916"/>
+            <a:off x="7869322" y="479916"/>
             <a:ext cx="2110154" cy="3265714"/>
           </a:xfrm>
           <a:prstGeom prst="rect">
@@ -3804,7 +3576,7 @@
         </p:nvSpPr>
         <p:spPr>
           <a:xfrm>
-            <a:off x="3073826" y="4552442"/>
+            <a:off x="3983927" y="4552442"/>
             <a:ext cx="3293534" cy="1826522"/>
           </a:xfrm>
           <a:prstGeom prst="rect">
@@ -3902,14 +3674,14 @@
           <p:nvPr/>
         </p:nvPicPr>
         <p:blipFill>
-          <a:blip r:embed="rId2"/>
+          <a:blip r:embed="rId3"/>
           <a:stretch>
             <a:fillRect/>
           </a:stretch>
         </p:blipFill>
         <p:spPr>
           <a:xfrm>
-            <a:off x="4905026" y="4744895"/>
+            <a:off x="5815128" y="4744895"/>
             <a:ext cx="1366571" cy="1464388"/>
           </a:xfrm>
           <a:prstGeom prst="rect">
@@ -3931,7 +3703,7 @@
         </p:nvSpPr>
         <p:spPr>
           <a:xfrm>
-            <a:off x="3212553" y="5020109"/>
+            <a:off x="4122654" y="5020110"/>
             <a:ext cx="803026" cy="444455"/>
           </a:xfrm>
           <a:prstGeom prst="rect">
@@ -3995,7 +3767,7 @@
         </p:nvSpPr>
         <p:spPr>
           <a:xfrm>
-            <a:off x="3415755" y="5267737"/>
+            <a:off x="4325856" y="5267738"/>
             <a:ext cx="803026" cy="444455"/>
           </a:xfrm>
           <a:prstGeom prst="rect">
@@ -4059,7 +3831,7 @@
         </p:nvSpPr>
         <p:spPr>
           <a:xfrm>
-            <a:off x="3591890" y="5535367"/>
+            <a:off x="4501991" y="5535368"/>
             <a:ext cx="867216" cy="444455"/>
           </a:xfrm>
           <a:prstGeom prst="rect">
@@ -4123,7 +3895,7 @@
         </p:nvSpPr>
         <p:spPr>
           <a:xfrm>
-            <a:off x="3835761" y="5790229"/>
+            <a:off x="4745862" y="5790230"/>
             <a:ext cx="867216" cy="444455"/>
           </a:xfrm>
           <a:prstGeom prst="rect">
@@ -4192,7 +3964,7 @@
         </p:nvSpPr>
         <p:spPr>
           <a:xfrm>
-            <a:off x="3991998" y="1597349"/>
+            <a:off x="4902099" y="1597350"/>
             <a:ext cx="803026" cy="444455"/>
           </a:xfrm>
           <a:prstGeom prst="rect">
@@ -4256,7 +4028,7 @@
         </p:nvSpPr>
         <p:spPr>
           <a:xfrm>
-            <a:off x="4195200" y="1870378"/>
+            <a:off x="5105301" y="1870379"/>
             <a:ext cx="803026" cy="444455"/>
           </a:xfrm>
           <a:prstGeom prst="rect">
@@ -4320,7 +4092,7 @@
         </p:nvSpPr>
         <p:spPr>
           <a:xfrm>
-            <a:off x="4413614" y="2120704"/>
+            <a:off x="5323715" y="2120705"/>
             <a:ext cx="800294" cy="444455"/>
           </a:xfrm>
           <a:prstGeom prst="rect">
@@ -4409,7 +4181,7 @@
         </p:nvSpPr>
         <p:spPr>
           <a:xfrm>
-            <a:off x="487550" y="1484496"/>
+            <a:off x="1397651" y="1484497"/>
             <a:ext cx="1095322" cy="444455"/>
           </a:xfrm>
           <a:prstGeom prst="rect">
@@ -4473,7 +4245,7 @@
         </p:nvSpPr>
         <p:spPr>
           <a:xfrm>
-            <a:off x="690751" y="1732124"/>
+            <a:off x="1600853" y="1732125"/>
             <a:ext cx="1095321" cy="444455"/>
           </a:xfrm>
           <a:prstGeom prst="rect">
@@ -4537,7 +4309,7 @@
         </p:nvSpPr>
         <p:spPr>
           <a:xfrm>
-            <a:off x="866886" y="1999754"/>
+            <a:off x="1776988" y="1999755"/>
             <a:ext cx="1137599" cy="444455"/>
           </a:xfrm>
           <a:prstGeom prst="rect">
@@ -4601,7 +4373,7 @@
         </p:nvSpPr>
         <p:spPr>
           <a:xfrm>
-            <a:off x="1110758" y="2254616"/>
+            <a:off x="2020859" y="2254617"/>
             <a:ext cx="1069862" cy="444455"/>
           </a:xfrm>
           <a:prstGeom prst="rect">
@@ -4665,7 +4437,7 @@
         </p:nvSpPr>
         <p:spPr>
           <a:xfrm>
-            <a:off x="1277551" y="2516649"/>
+            <a:off x="2187652" y="2516650"/>
             <a:ext cx="1069862" cy="444455"/>
           </a:xfrm>
           <a:prstGeom prst="rect">
@@ -4722,7 +4494,7 @@
         </p:nvSpPr>
         <p:spPr>
           <a:xfrm>
-            <a:off x="4696593" y="2516649"/>
+            <a:off x="5606694" y="2516650"/>
             <a:ext cx="800294" cy="444455"/>
           </a:xfrm>
           <a:prstGeom prst="rect">
@@ -4779,7 +4551,7 @@
         </p:nvSpPr>
         <p:spPr>
           <a:xfrm>
-            <a:off x="7150064" y="1414842"/>
+            <a:off x="8060165" y="1414843"/>
             <a:ext cx="803026" cy="444455"/>
           </a:xfrm>
           <a:prstGeom prst="rect">
@@ -4843,7 +4615,7 @@
         </p:nvSpPr>
         <p:spPr>
           <a:xfrm>
-            <a:off x="7353266" y="1687871"/>
+            <a:off x="8263367" y="1687872"/>
             <a:ext cx="875334" cy="444455"/>
           </a:xfrm>
           <a:prstGeom prst="rect">
@@ -4912,7 +4684,7 @@
         </p:nvSpPr>
         <p:spPr>
           <a:xfrm>
-            <a:off x="7571680" y="1963598"/>
+            <a:off x="8481781" y="1963599"/>
             <a:ext cx="800294" cy="444455"/>
           </a:xfrm>
           <a:prstGeom prst="rect">
@@ -4981,7 +4753,7 @@
         </p:nvSpPr>
         <p:spPr>
           <a:xfrm>
-            <a:off x="7828453" y="2232864"/>
+            <a:off x="8738554" y="2232865"/>
             <a:ext cx="944586" cy="444455"/>
           </a:xfrm>
           <a:prstGeom prst="rect">
@@ -5050,7 +4822,7 @@
         </p:nvSpPr>
         <p:spPr>
           <a:xfrm>
-            <a:off x="8039561" y="2542459"/>
+            <a:off x="8949662" y="2542460"/>
             <a:ext cx="877412" cy="444455"/>
           </a:xfrm>
           <a:prstGeom prst="rect">
@@ -5119,7 +4891,7 @@
         </p:nvSpPr>
         <p:spPr>
           <a:xfrm>
-            <a:off x="10021846" y="2528943"/>
+            <a:off x="10931948" y="2528944"/>
             <a:ext cx="1868625" cy="2463945"/>
           </a:xfrm>
           <a:prstGeom prst="rect">
@@ -5227,7 +4999,7 @@
         </p:nvCxnSpPr>
         <p:spPr>
           <a:xfrm>
-            <a:off x="2482307" y="2112773"/>
+            <a:off x="3392408" y="2112773"/>
             <a:ext cx="1183380" cy="0"/>
           </a:xfrm>
           <a:prstGeom prst="straightConnector1">
@@ -5273,7 +5045,7 @@
         </p:nvCxnSpPr>
         <p:spPr>
           <a:xfrm>
-            <a:off x="5775841" y="2112773"/>
+            <a:off x="6685942" y="2112773"/>
             <a:ext cx="1183380" cy="0"/>
           </a:xfrm>
           <a:prstGeom prst="straightConnector1">
@@ -5319,7 +5091,7 @@
         </p:nvCxnSpPr>
         <p:spPr>
           <a:xfrm flipV="1">
-            <a:off x="4720593" y="3745630"/>
+            <a:off x="5630695" y="3745630"/>
             <a:ext cx="171" cy="806812"/>
           </a:xfrm>
           <a:prstGeom prst="straightConnector1">
@@ -5365,7 +5137,7 @@
         </p:nvCxnSpPr>
         <p:spPr>
           <a:xfrm>
-            <a:off x="9069375" y="2112773"/>
+            <a:off x="9979476" y="2112773"/>
             <a:ext cx="1886784" cy="416170"/>
           </a:xfrm>
           <a:prstGeom prst="bentConnector2">
@@ -5411,7 +5183,7 @@
         </p:nvCxnSpPr>
         <p:spPr>
           <a:xfrm rot="5400000">
-            <a:off x="8425353" y="2934896"/>
+            <a:off x="9335455" y="2934897"/>
             <a:ext cx="472815" cy="4588799"/>
           </a:xfrm>
           <a:prstGeom prst="bentConnector2">
@@ -5457,7 +5229,7 @@
         </p:nvCxnSpPr>
         <p:spPr>
           <a:xfrm rot="10800000">
-            <a:off x="1427230" y="3745631"/>
+            <a:off x="2337331" y="3745632"/>
             <a:ext cx="1646596" cy="1720073"/>
           </a:xfrm>
           <a:prstGeom prst="bentConnector2">
@@ -5500,7 +5272,7 @@
           <p:nvPr/>
         </p:nvPicPr>
         <p:blipFill>
-          <a:blip r:embed="rId3">
+          <a:blip r:embed="rId4">
             <a:extLst>
               <a:ext uri="{28A0092B-C50C-407E-A947-70E740481C1C}">
                 <a14:useLocalDpi xmlns:a14="http://schemas.microsoft.com/office/drawing/2010/main" val="0"/>
@@ -5513,162 +5285,8 @@
         </p:blipFill>
         <p:spPr>
           <a:xfrm>
-            <a:off x="10283505" y="3022825"/>
+            <a:off x="11193607" y="3022826"/>
             <a:ext cx="1366571" cy="1825739"/>
-          </a:xfrm>
-          <a:prstGeom prst="rect">
-            <a:avLst/>
-          </a:prstGeom>
-        </p:spPr>
-      </p:pic>
-      <p:pic>
-        <p:nvPicPr>
-          <p:cNvPr id="72" name="Grafik 71">
-            <a:extLst>
-              <a:ext uri="{FF2B5EF4-FFF2-40B4-BE49-F238E27FC236}">
-                <a16:creationId xmlns:a16="http://schemas.microsoft.com/office/drawing/2014/main" id="{72852633-2E3C-8FBD-B7C6-D2C3BDAB683F}"/>
-              </a:ext>
-            </a:extLst>
-          </p:cNvPr>
-          <p:cNvPicPr>
-            <a:picLocks noChangeAspect="1"/>
-          </p:cNvPicPr>
-          <p:nvPr/>
-        </p:nvPicPr>
-        <p:blipFill>
-          <a:blip r:embed="rId4"/>
-          <a:stretch>
-            <a:fillRect/>
-          </a:stretch>
-        </p:blipFill>
-        <p:spPr>
-          <a:xfrm>
-            <a:off x="9366784" y="1742579"/>
-            <a:ext cx="1076325" cy="257175"/>
-          </a:xfrm>
-          <a:prstGeom prst="rect">
-            <a:avLst/>
-          </a:prstGeom>
-        </p:spPr>
-      </p:pic>
-      <p:sp>
-        <p:nvSpPr>
-          <p:cNvPr id="75" name="Textfeld 74">
-            <a:extLst>
-              <a:ext uri="{FF2B5EF4-FFF2-40B4-BE49-F238E27FC236}">
-                <a16:creationId xmlns:a16="http://schemas.microsoft.com/office/drawing/2014/main" id="{619366E9-CCE0-10B4-EC0B-FF1FA8612FA0}"/>
-              </a:ext>
-            </a:extLst>
-          </p:cNvPr>
-          <p:cNvSpPr txBox="1"/>
-          <p:nvPr/>
-        </p:nvSpPr>
-        <p:spPr>
-          <a:xfrm>
-            <a:off x="6207259" y="1798569"/>
-            <a:ext cx="701794" cy="307777"/>
-          </a:xfrm>
-          <a:prstGeom prst="rect">
-            <a:avLst/>
-          </a:prstGeom>
-          <a:noFill/>
-        </p:spPr>
-        <p:txBody>
-          <a:bodyPr wrap="square" rtlCol="0">
-            <a:spAutoFit/>
-          </a:bodyPr>
-          <a:lstStyle/>
-          <a:p>
-            <a:r>
-              <a:rPr lang="de-DE" sz="1400" dirty="0"/>
-              <a:t>QP</a:t>
-            </a:r>
-          </a:p>
-        </p:txBody>
-      </p:sp>
-      <p:pic>
-        <p:nvPicPr>
-          <p:cNvPr id="77" name="Grafik 76">
-            <a:extLst>
-              <a:ext uri="{FF2B5EF4-FFF2-40B4-BE49-F238E27FC236}">
-                <a16:creationId xmlns:a16="http://schemas.microsoft.com/office/drawing/2014/main" id="{511D17E6-2DFC-2B06-7A2E-4D3F0CEBE9C4}"/>
-              </a:ext>
-            </a:extLst>
-          </p:cNvPr>
-          <p:cNvPicPr>
-            <a:picLocks noChangeAspect="1"/>
-          </p:cNvPicPr>
-          <p:nvPr/>
-        </p:nvPicPr>
-        <p:blipFill rotWithShape="1">
-          <a:blip r:embed="rId5"/>
-          <a:srcRect r="51218" b="-5373"/>
-          <a:stretch/>
-        </p:blipFill>
-        <p:spPr>
-          <a:xfrm>
-            <a:off x="2773275" y="1802769"/>
-            <a:ext cx="534348" cy="270992"/>
-          </a:xfrm>
-          <a:prstGeom prst="rect">
-            <a:avLst/>
-          </a:prstGeom>
-        </p:spPr>
-      </p:pic>
-      <p:pic>
-        <p:nvPicPr>
-          <p:cNvPr id="79" name="Grafik 78">
-            <a:extLst>
-              <a:ext uri="{FF2B5EF4-FFF2-40B4-BE49-F238E27FC236}">
-                <a16:creationId xmlns:a16="http://schemas.microsoft.com/office/drawing/2014/main" id="{F7F8EE96-DCF9-3461-0494-DBDDED95272A}"/>
-              </a:ext>
-            </a:extLst>
-          </p:cNvPr>
-          <p:cNvPicPr>
-            <a:picLocks noChangeAspect="1"/>
-          </p:cNvPicPr>
-          <p:nvPr/>
-        </p:nvPicPr>
-        <p:blipFill>
-          <a:blip r:embed="rId6"/>
-          <a:stretch>
-            <a:fillRect/>
-          </a:stretch>
-        </p:blipFill>
-        <p:spPr>
-          <a:xfrm>
-            <a:off x="1991079" y="5128036"/>
-            <a:ext cx="400050" cy="228600"/>
-          </a:xfrm>
-          <a:prstGeom prst="rect">
-            <a:avLst/>
-          </a:prstGeom>
-        </p:spPr>
-      </p:pic>
-      <p:pic>
-        <p:nvPicPr>
-          <p:cNvPr id="81" name="Grafik 80">
-            <a:extLst>
-              <a:ext uri="{FF2B5EF4-FFF2-40B4-BE49-F238E27FC236}">
-                <a16:creationId xmlns:a16="http://schemas.microsoft.com/office/drawing/2014/main" id="{0F94E0B3-1945-C10C-A019-C7C6BD5D654D}"/>
-              </a:ext>
-            </a:extLst>
-          </p:cNvPr>
-          <p:cNvPicPr>
-            <a:picLocks noChangeAspect="1"/>
-          </p:cNvPicPr>
-          <p:nvPr/>
-        </p:nvPicPr>
-        <p:blipFill>
-          <a:blip r:embed="rId7"/>
-          <a:stretch>
-            <a:fillRect/>
-          </a:stretch>
-        </p:blipFill>
-        <p:spPr>
-          <a:xfrm>
-            <a:off x="8013956" y="5153437"/>
-            <a:ext cx="400050" cy="228600"/>
           </a:xfrm>
           <a:prstGeom prst="rect">
             <a:avLst/>
@@ -5689,7 +5307,7 @@
         </p:nvSpPr>
         <p:spPr>
           <a:xfrm>
-            <a:off x="4795024" y="3921841"/>
+            <a:off x="5705125" y="3921841"/>
             <a:ext cx="1183210" cy="523220"/>
           </a:xfrm>
           <a:prstGeom prst="rect">
@@ -5734,7 +5352,7 @@
         </p:nvSpPr>
         <p:spPr>
           <a:xfrm>
-            <a:off x="338634" y="5886117"/>
+            <a:off x="1248736" y="5886118"/>
             <a:ext cx="1940089" cy="646331"/>
           </a:xfrm>
           <a:prstGeom prst="rect">
@@ -5761,6 +5379,946 @@
           </a:p>
         </p:txBody>
       </p:sp>
+      <p:cxnSp>
+        <p:nvCxnSpPr>
+          <p:cNvPr id="2" name="Gerade Verbindung mit Pfeil 1">
+            <a:extLst>
+              <a:ext uri="{FF2B5EF4-FFF2-40B4-BE49-F238E27FC236}">
+                <a16:creationId xmlns:a16="http://schemas.microsoft.com/office/drawing/2014/main" id="{2EA52069-AF03-0D5A-491E-39767A0A5E62}"/>
+              </a:ext>
+            </a:extLst>
+          </p:cNvPr>
+          <p:cNvCxnSpPr/>
+          <p:nvPr/>
+        </p:nvCxnSpPr>
+        <p:spPr>
+          <a:xfrm>
+            <a:off x="100424" y="2112773"/>
+            <a:ext cx="1183380" cy="0"/>
+          </a:xfrm>
+          <a:prstGeom prst="straightConnector1">
+            <a:avLst/>
+          </a:prstGeom>
+          <a:ln>
+            <a:solidFill>
+              <a:schemeClr val="tx1"/>
+            </a:solidFill>
+            <a:tailEnd type="triangle"/>
+          </a:ln>
+        </p:spPr>
+        <p:style>
+          <a:lnRef idx="2">
+            <a:schemeClr val="accent1"/>
+          </a:lnRef>
+          <a:fillRef idx="0">
+            <a:schemeClr val="accent1"/>
+          </a:fillRef>
+          <a:effectRef idx="1">
+            <a:schemeClr val="accent1"/>
+          </a:effectRef>
+          <a:fontRef idx="minor">
+            <a:schemeClr val="tx1"/>
+          </a:fontRef>
+        </p:style>
+      </p:cxnSp>
+      <mc:AlternateContent xmlns:mc="http://schemas.openxmlformats.org/markup-compatibility/2006">
+        <mc:Choice xmlns:a14="http://schemas.microsoft.com/office/drawing/2010/main" Requires="a14">
+          <p:sp>
+            <p:nvSpPr>
+              <p:cNvPr id="6" name="Textfeld 5">
+                <a:extLst>
+                  <a:ext uri="{FF2B5EF4-FFF2-40B4-BE49-F238E27FC236}">
+                    <a16:creationId xmlns:a16="http://schemas.microsoft.com/office/drawing/2014/main" id="{46F9C94D-ECA5-88A6-8B35-0892224F573A}"/>
+                  </a:ext>
+                </a:extLst>
+              </p:cNvPr>
+              <p:cNvSpPr txBox="1"/>
+              <p:nvPr/>
+            </p:nvSpPr>
+            <p:spPr>
+              <a:xfrm>
+                <a:off x="3626538" y="1798570"/>
+                <a:ext cx="653319" cy="276999"/>
+              </a:xfrm>
+              <a:prstGeom prst="rect">
+                <a:avLst/>
+              </a:prstGeom>
+              <a:noFill/>
+            </p:spPr>
+            <p:txBody>
+              <a:bodyPr wrap="none" lIns="0" tIns="0" rIns="0" bIns="0" rtlCol="0">
+                <a:spAutoFit/>
+              </a:bodyPr>
+              <a:lstStyle/>
+              <a:p>
+                <a14:m>
+                  <m:oMathPara xmlns:m="http://schemas.openxmlformats.org/officeDocument/2006/math">
+                    <m:oMathParaPr>
+                      <m:jc m:val="centerGroup"/>
+                    </m:oMathParaPr>
+                    <m:oMath xmlns:m="http://schemas.openxmlformats.org/officeDocument/2006/math">
+                      <m:sSub>
+                        <m:sSubPr>
+                          <m:ctrlPr>
+                            <a:rPr lang="de-DE" i="1" smtClean="0">
+                              <a:latin typeface="Cambria Math" panose="02040503050406030204" pitchFamily="18" charset="0"/>
+                            </a:rPr>
+                          </m:ctrlPr>
+                        </m:sSubPr>
+                        <m:e>
+                          <m:acc>
+                            <m:accPr>
+                              <m:chr m:val="̇"/>
+                              <m:ctrlPr>
+                                <a:rPr lang="de-DE" i="1" smtClean="0">
+                                  <a:latin typeface="Cambria Math" panose="02040503050406030204" pitchFamily="18" charset="0"/>
+                                </a:rPr>
+                              </m:ctrlPr>
+                            </m:accPr>
+                            <m:e>
+                              <m:r>
+                                <a:rPr lang="de-DE" b="1" i="1" smtClean="0">
+                                  <a:latin typeface="Cambria Math" panose="02040503050406030204" pitchFamily="18" charset="0"/>
+                                </a:rPr>
+                                <m:t>𝒗</m:t>
+                              </m:r>
+                            </m:e>
+                          </m:acc>
+                        </m:e>
+                        <m:sub>
+                          <m:r>
+                            <a:rPr lang="de-DE" b="0" i="1" smtClean="0">
+                              <a:latin typeface="Cambria Math" panose="02040503050406030204" pitchFamily="18" charset="0"/>
+                            </a:rPr>
+                            <m:t>𝑑</m:t>
+                          </m:r>
+                        </m:sub>
+                      </m:sSub>
+                      <m:r>
+                        <a:rPr lang="de-DE" b="0" i="1" smtClean="0">
+                          <a:latin typeface="Cambria Math" panose="02040503050406030204" pitchFamily="18" charset="0"/>
+                        </a:rPr>
+                        <m:t>, </m:t>
+                      </m:r>
+                      <m:sSub>
+                        <m:sSubPr>
+                          <m:ctrlPr>
+                            <a:rPr lang="de-DE" b="0" i="1" smtClean="0">
+                              <a:latin typeface="Cambria Math" panose="02040503050406030204" pitchFamily="18" charset="0"/>
+                            </a:rPr>
+                          </m:ctrlPr>
+                        </m:sSubPr>
+                        <m:e>
+                          <m:r>
+                            <a:rPr lang="de-DE" b="1" i="1" smtClean="0">
+                              <a:latin typeface="Cambria Math" panose="02040503050406030204" pitchFamily="18" charset="0"/>
+                            </a:rPr>
+                            <m:t>𝒗</m:t>
+                          </m:r>
+                        </m:e>
+                        <m:sub>
+                          <m:r>
+                            <a:rPr lang="de-DE" b="0" i="1" smtClean="0">
+                              <a:latin typeface="Cambria Math" panose="02040503050406030204" pitchFamily="18" charset="0"/>
+                            </a:rPr>
+                            <m:t>𝑑</m:t>
+                          </m:r>
+                        </m:sub>
+                      </m:sSub>
+                    </m:oMath>
+                  </m:oMathPara>
+                </a14:m>
+                <a:endParaRPr lang="de-DE" dirty="0"/>
+              </a:p>
+            </p:txBody>
+          </p:sp>
+        </mc:Choice>
+        <mc:Fallback>
+          <p:sp>
+            <p:nvSpPr>
+              <p:cNvPr id="6" name="Textfeld 5">
+                <a:extLst>
+                  <a:ext uri="{FF2B5EF4-FFF2-40B4-BE49-F238E27FC236}">
+                    <a16:creationId xmlns:a16="http://schemas.microsoft.com/office/drawing/2014/main" id="{46F9C94D-ECA5-88A6-8B35-0892224F573A}"/>
+                  </a:ext>
+                </a:extLst>
+              </p:cNvPr>
+              <p:cNvSpPr txBox="1">
+                <a:spLocks noRot="1" noChangeAspect="1" noMove="1" noResize="1" noEditPoints="1" noAdjustHandles="1" noChangeArrowheads="1" noChangeShapeType="1" noTextEdit="1"/>
+              </p:cNvSpPr>
+              <p:nvPr/>
+            </p:nvSpPr>
+            <p:spPr>
+              <a:xfrm>
+                <a:off x="3626538" y="1798570"/>
+                <a:ext cx="653319" cy="276999"/>
+              </a:xfrm>
+              <a:prstGeom prst="rect">
+                <a:avLst/>
+              </a:prstGeom>
+              <a:blipFill>
+                <a:blip r:embed="rId5"/>
+                <a:stretch>
+                  <a:fillRect l="-5607" t="-2222" r="-3738" b="-17778"/>
+                </a:stretch>
+              </a:blipFill>
+            </p:spPr>
+            <p:txBody>
+              <a:bodyPr/>
+              <a:lstStyle/>
+              <a:p>
+                <a:r>
+                  <a:rPr lang="de-DE">
+                    <a:noFill/>
+                  </a:rPr>
+                  <a:t> </a:t>
+                </a:r>
+              </a:p>
+            </p:txBody>
+          </p:sp>
+        </mc:Fallback>
+      </mc:AlternateContent>
+      <mc:AlternateContent xmlns:mc="http://schemas.openxmlformats.org/markup-compatibility/2006">
+        <mc:Choice xmlns:a14="http://schemas.microsoft.com/office/drawing/2010/main" Requires="a14">
+          <p:sp>
+            <p:nvSpPr>
+              <p:cNvPr id="7" name="Textfeld 6">
+                <a:extLst>
+                  <a:ext uri="{FF2B5EF4-FFF2-40B4-BE49-F238E27FC236}">
+                    <a16:creationId xmlns:a16="http://schemas.microsoft.com/office/drawing/2014/main" id="{6F6299DC-4D76-DE6B-FE54-B70BC47779D9}"/>
+                  </a:ext>
+                </a:extLst>
+              </p:cNvPr>
+              <p:cNvSpPr txBox="1"/>
+              <p:nvPr/>
+            </p:nvSpPr>
+            <p:spPr>
+              <a:xfrm>
+                <a:off x="7125472" y="1843639"/>
+                <a:ext cx="291747" cy="215444"/>
+              </a:xfrm>
+              <a:prstGeom prst="rect">
+                <a:avLst/>
+              </a:prstGeom>
+              <a:noFill/>
+            </p:spPr>
+            <p:txBody>
+              <a:bodyPr wrap="none" lIns="0" tIns="0" rIns="0" bIns="0" rtlCol="0">
+                <a:spAutoFit/>
+              </a:bodyPr>
+              <a:lstStyle/>
+              <a:p>
+                <a14:m>
+                  <m:oMathPara xmlns:m="http://schemas.openxmlformats.org/officeDocument/2006/math">
+                    <m:oMathParaPr>
+                      <m:jc m:val="centerGroup"/>
+                    </m:oMathParaPr>
+                    <m:oMath xmlns:m="http://schemas.openxmlformats.org/officeDocument/2006/math">
+                      <m:r>
+                        <a:rPr lang="de-DE" sz="1400" b="1" i="1" smtClean="0">
+                          <a:latin typeface="Cambria Math" panose="02040503050406030204" pitchFamily="18" charset="0"/>
+                        </a:rPr>
+                        <m:t>𝑸𝑷</m:t>
+                      </m:r>
+                    </m:oMath>
+                  </m:oMathPara>
+                </a14:m>
+                <a:endParaRPr lang="de-DE" sz="1400" b="1" i="1" dirty="0"/>
+              </a:p>
+            </p:txBody>
+          </p:sp>
+        </mc:Choice>
+        <mc:Fallback>
+          <p:sp>
+            <p:nvSpPr>
+              <p:cNvPr id="7" name="Textfeld 6">
+                <a:extLst>
+                  <a:ext uri="{FF2B5EF4-FFF2-40B4-BE49-F238E27FC236}">
+                    <a16:creationId xmlns:a16="http://schemas.microsoft.com/office/drawing/2014/main" id="{6F6299DC-4D76-DE6B-FE54-B70BC47779D9}"/>
+                  </a:ext>
+                </a:extLst>
+              </p:cNvPr>
+              <p:cNvSpPr txBox="1">
+                <a:spLocks noRot="1" noChangeAspect="1" noMove="1" noResize="1" noEditPoints="1" noAdjustHandles="1" noChangeArrowheads="1" noChangeShapeType="1" noTextEdit="1"/>
+              </p:cNvSpPr>
+              <p:nvPr/>
+            </p:nvSpPr>
+            <p:spPr>
+              <a:xfrm>
+                <a:off x="7125472" y="1843639"/>
+                <a:ext cx="291747" cy="215444"/>
+              </a:xfrm>
+              <a:prstGeom prst="rect">
+                <a:avLst/>
+              </a:prstGeom>
+              <a:blipFill>
+                <a:blip r:embed="rId6"/>
+                <a:stretch>
+                  <a:fillRect l="-20833" r="-18750" b="-27778"/>
+                </a:stretch>
+              </a:blipFill>
+            </p:spPr>
+            <p:txBody>
+              <a:bodyPr/>
+              <a:lstStyle/>
+              <a:p>
+                <a:r>
+                  <a:rPr lang="de-DE">
+                    <a:noFill/>
+                  </a:rPr>
+                  <a:t> </a:t>
+                </a:r>
+              </a:p>
+            </p:txBody>
+          </p:sp>
+        </mc:Fallback>
+      </mc:AlternateContent>
+      <mc:AlternateContent xmlns:mc="http://schemas.openxmlformats.org/markup-compatibility/2006">
+        <mc:Choice xmlns:a14="http://schemas.microsoft.com/office/drawing/2010/main" Requires="a14">
+          <p:sp>
+            <p:nvSpPr>
+              <p:cNvPr id="9" name="Textfeld 8">
+                <a:extLst>
+                  <a:ext uri="{FF2B5EF4-FFF2-40B4-BE49-F238E27FC236}">
+                    <a16:creationId xmlns:a16="http://schemas.microsoft.com/office/drawing/2014/main" id="{3CB87E75-C84C-24ED-CFD5-F55F35337D72}"/>
+                  </a:ext>
+                </a:extLst>
+              </p:cNvPr>
+              <p:cNvSpPr txBox="1"/>
+              <p:nvPr/>
+            </p:nvSpPr>
+            <p:spPr>
+              <a:xfrm>
+                <a:off x="10327744" y="1766815"/>
+                <a:ext cx="1208408" cy="276999"/>
+              </a:xfrm>
+              <a:prstGeom prst="rect">
+                <a:avLst/>
+              </a:prstGeom>
+              <a:noFill/>
+            </p:spPr>
+            <p:txBody>
+              <a:bodyPr wrap="none" lIns="0" tIns="0" rIns="0" bIns="0" rtlCol="0">
+                <a:spAutoFit/>
+              </a:bodyPr>
+              <a:lstStyle/>
+              <a:p>
+                <a14:m>
+                  <m:oMathPara xmlns:m="http://schemas.openxmlformats.org/officeDocument/2006/math">
+                    <m:oMathParaPr>
+                      <m:jc m:val="centerGroup"/>
+                    </m:oMathParaPr>
+                    <m:oMath xmlns:m="http://schemas.openxmlformats.org/officeDocument/2006/math">
+                      <m:sSup>
+                        <m:sSupPr>
+                          <m:ctrlPr>
+                            <a:rPr lang="de-DE" i="1" smtClean="0">
+                              <a:latin typeface="Cambria Math" panose="02040503050406030204" pitchFamily="18" charset="0"/>
+                            </a:rPr>
+                          </m:ctrlPr>
+                        </m:sSupPr>
+                        <m:e>
+                          <m:acc>
+                            <m:accPr>
+                              <m:chr m:val="̈"/>
+                              <m:ctrlPr>
+                                <a:rPr lang="de-DE" i="1" smtClean="0">
+                                  <a:latin typeface="Cambria Math" panose="02040503050406030204" pitchFamily="18" charset="0"/>
+                                </a:rPr>
+                              </m:ctrlPr>
+                            </m:accPr>
+                            <m:e>
+                              <m:r>
+                                <a:rPr lang="de-DE" b="1" i="1" smtClean="0">
+                                  <a:latin typeface="Cambria Math" panose="02040503050406030204" pitchFamily="18" charset="0"/>
+                                </a:rPr>
+                                <m:t>𝒒</m:t>
+                              </m:r>
+                            </m:e>
+                          </m:acc>
+                        </m:e>
+                        <m:sup>
+                          <m:r>
+                            <a:rPr lang="de-DE" b="0" i="1" smtClean="0">
+                              <a:latin typeface="Cambria Math" panose="02040503050406030204" pitchFamily="18" charset="0"/>
+                            </a:rPr>
+                            <m:t>∗</m:t>
+                          </m:r>
+                        </m:sup>
+                      </m:sSup>
+                      <m:r>
+                        <a:rPr lang="de-DE" b="0" i="1" smtClean="0">
+                          <a:latin typeface="Cambria Math" panose="02040503050406030204" pitchFamily="18" charset="0"/>
+                        </a:rPr>
+                        <m:t>,</m:t>
+                      </m:r>
+                      <m:sSup>
+                        <m:sSupPr>
+                          <m:ctrlPr>
+                            <a:rPr lang="de-DE" b="0" i="1" smtClean="0">
+                              <a:latin typeface="Cambria Math" panose="02040503050406030204" pitchFamily="18" charset="0"/>
+                            </a:rPr>
+                          </m:ctrlPr>
+                        </m:sSupPr>
+                        <m:e>
+                          <m:acc>
+                            <m:accPr>
+                              <m:chr m:val="̇"/>
+                              <m:ctrlPr>
+                                <a:rPr lang="de-DE" b="0" i="1" smtClean="0">
+                                  <a:latin typeface="Cambria Math" panose="02040503050406030204" pitchFamily="18" charset="0"/>
+                                </a:rPr>
+                              </m:ctrlPr>
+                            </m:accPr>
+                            <m:e>
+                              <m:r>
+                                <a:rPr lang="de-DE" b="1" i="1" smtClean="0">
+                                  <a:latin typeface="Cambria Math" panose="02040503050406030204" pitchFamily="18" charset="0"/>
+                                </a:rPr>
+                                <m:t>𝒒</m:t>
+                              </m:r>
+                            </m:e>
+                          </m:acc>
+                        </m:e>
+                        <m:sup>
+                          <m:r>
+                            <a:rPr lang="de-DE" b="0" i="1" smtClean="0">
+                              <a:latin typeface="Cambria Math" panose="02040503050406030204" pitchFamily="18" charset="0"/>
+                            </a:rPr>
+                            <m:t>∗</m:t>
+                          </m:r>
+                        </m:sup>
+                      </m:sSup>
+                      <m:r>
+                        <a:rPr lang="de-DE" b="0" i="1" smtClean="0">
+                          <a:latin typeface="Cambria Math" panose="02040503050406030204" pitchFamily="18" charset="0"/>
+                        </a:rPr>
+                        <m:t>,</m:t>
+                      </m:r>
+                      <m:sSup>
+                        <m:sSupPr>
+                          <m:ctrlPr>
+                            <a:rPr lang="de-DE" b="0" i="1" smtClean="0">
+                              <a:latin typeface="Cambria Math" panose="02040503050406030204" pitchFamily="18" charset="0"/>
+                            </a:rPr>
+                          </m:ctrlPr>
+                        </m:sSupPr>
+                        <m:e>
+                          <m:r>
+                            <a:rPr lang="de-DE" b="1" i="1" smtClean="0">
+                              <a:latin typeface="Cambria Math" panose="02040503050406030204" pitchFamily="18" charset="0"/>
+                            </a:rPr>
+                            <m:t>𝒒</m:t>
+                          </m:r>
+                        </m:e>
+                        <m:sup>
+                          <m:r>
+                            <a:rPr lang="de-DE" b="0" i="1" smtClean="0">
+                              <a:latin typeface="Cambria Math" panose="02040503050406030204" pitchFamily="18" charset="0"/>
+                            </a:rPr>
+                            <m:t>∗</m:t>
+                          </m:r>
+                        </m:sup>
+                      </m:sSup>
+                      <m:r>
+                        <a:rPr lang="de-DE" b="0" i="1" smtClean="0">
+                          <a:latin typeface="Cambria Math" panose="02040503050406030204" pitchFamily="18" charset="0"/>
+                        </a:rPr>
+                        <m:t>,</m:t>
+                      </m:r>
+                      <m:sSup>
+                        <m:sSupPr>
+                          <m:ctrlPr>
+                            <a:rPr lang="de-DE" b="0" i="1" smtClean="0">
+                              <a:latin typeface="Cambria Math" panose="02040503050406030204" pitchFamily="18" charset="0"/>
+                            </a:rPr>
+                          </m:ctrlPr>
+                        </m:sSupPr>
+                        <m:e>
+                          <m:r>
+                            <a:rPr lang="de-DE" b="1" i="1" smtClean="0">
+                              <a:latin typeface="Cambria Math" panose="02040503050406030204" pitchFamily="18" charset="0"/>
+                              <a:ea typeface="Cambria Math" panose="02040503050406030204" pitchFamily="18" charset="0"/>
+                            </a:rPr>
+                            <m:t>𝝉</m:t>
+                          </m:r>
+                        </m:e>
+                        <m:sup>
+                          <m:r>
+                            <a:rPr lang="de-DE" b="0" i="1" smtClean="0">
+                              <a:latin typeface="Cambria Math" panose="02040503050406030204" pitchFamily="18" charset="0"/>
+                            </a:rPr>
+                            <m:t>∗</m:t>
+                          </m:r>
+                        </m:sup>
+                      </m:sSup>
+                    </m:oMath>
+                  </m:oMathPara>
+                </a14:m>
+                <a:endParaRPr lang="de-DE" dirty="0"/>
+              </a:p>
+            </p:txBody>
+          </p:sp>
+        </mc:Choice>
+        <mc:Fallback>
+          <p:sp>
+            <p:nvSpPr>
+              <p:cNvPr id="9" name="Textfeld 8">
+                <a:extLst>
+                  <a:ext uri="{FF2B5EF4-FFF2-40B4-BE49-F238E27FC236}">
+                    <a16:creationId xmlns:a16="http://schemas.microsoft.com/office/drawing/2014/main" id="{3CB87E75-C84C-24ED-CFD5-F55F35337D72}"/>
+                  </a:ext>
+                </a:extLst>
+              </p:cNvPr>
+              <p:cNvSpPr txBox="1">
+                <a:spLocks noRot="1" noChangeAspect="1" noMove="1" noResize="1" noEditPoints="1" noAdjustHandles="1" noChangeArrowheads="1" noChangeShapeType="1" noTextEdit="1"/>
+              </p:cNvSpPr>
+              <p:nvPr/>
+            </p:nvSpPr>
+            <p:spPr>
+              <a:xfrm>
+                <a:off x="10327744" y="1766815"/>
+                <a:ext cx="1208408" cy="276999"/>
+              </a:xfrm>
+              <a:prstGeom prst="rect">
+                <a:avLst/>
+              </a:prstGeom>
+              <a:blipFill>
+                <a:blip r:embed="rId7"/>
+                <a:stretch>
+                  <a:fillRect l="-4545" t="-4444" r="-1010" b="-26667"/>
+                </a:stretch>
+              </a:blipFill>
+            </p:spPr>
+            <p:txBody>
+              <a:bodyPr/>
+              <a:lstStyle/>
+              <a:p>
+                <a:r>
+                  <a:rPr lang="de-DE">
+                    <a:noFill/>
+                  </a:rPr>
+                  <a:t> </a:t>
+                </a:r>
+              </a:p>
+            </p:txBody>
+          </p:sp>
+        </mc:Fallback>
+      </mc:AlternateContent>
+      <mc:AlternateContent xmlns:mc="http://schemas.openxmlformats.org/markup-compatibility/2006">
+        <mc:Choice xmlns:a14="http://schemas.microsoft.com/office/drawing/2010/main" Requires="a14">
+          <p:sp>
+            <p:nvSpPr>
+              <p:cNvPr id="10" name="Textfeld 9">
+                <a:extLst>
+                  <a:ext uri="{FF2B5EF4-FFF2-40B4-BE49-F238E27FC236}">
+                    <a16:creationId xmlns:a16="http://schemas.microsoft.com/office/drawing/2014/main" id="{065C6F21-9DBB-626D-E478-694F1B7F39B8}"/>
+                  </a:ext>
+                </a:extLst>
+              </p:cNvPr>
+              <p:cNvSpPr txBox="1"/>
+              <p:nvPr/>
+            </p:nvSpPr>
+            <p:spPr>
+              <a:xfrm>
+                <a:off x="8675942" y="5112436"/>
+                <a:ext cx="411971" cy="276999"/>
+              </a:xfrm>
+              <a:prstGeom prst="rect">
+                <a:avLst/>
+              </a:prstGeom>
+              <a:noFill/>
+            </p:spPr>
+            <p:txBody>
+              <a:bodyPr wrap="none" lIns="0" tIns="0" rIns="0" bIns="0" rtlCol="0">
+                <a:spAutoFit/>
+              </a:bodyPr>
+              <a:lstStyle/>
+              <a:p>
+                <a14:m>
+                  <m:oMathPara xmlns:m="http://schemas.openxmlformats.org/officeDocument/2006/math">
+                    <m:oMathParaPr>
+                      <m:jc m:val="centerGroup"/>
+                    </m:oMathParaPr>
+                    <m:oMath xmlns:m="http://schemas.openxmlformats.org/officeDocument/2006/math">
+                      <m:acc>
+                        <m:accPr>
+                          <m:chr m:val="̇"/>
+                          <m:ctrlPr>
+                            <a:rPr lang="de-DE" i="1" smtClean="0">
+                              <a:latin typeface="Cambria Math" panose="02040503050406030204" pitchFamily="18" charset="0"/>
+                            </a:rPr>
+                          </m:ctrlPr>
+                        </m:accPr>
+                        <m:e>
+                          <m:r>
+                            <a:rPr lang="de-DE" b="1" i="1" smtClean="0">
+                              <a:latin typeface="Cambria Math" panose="02040503050406030204" pitchFamily="18" charset="0"/>
+                            </a:rPr>
+                            <m:t>𝒒</m:t>
+                          </m:r>
+                        </m:e>
+                      </m:acc>
+                      <m:r>
+                        <a:rPr lang="de-DE" b="0" i="1" smtClean="0">
+                          <a:latin typeface="Cambria Math" panose="02040503050406030204" pitchFamily="18" charset="0"/>
+                        </a:rPr>
+                        <m:t>,</m:t>
+                      </m:r>
+                      <m:r>
+                        <a:rPr lang="de-DE" b="1" i="1" smtClean="0">
+                          <a:latin typeface="Cambria Math" panose="02040503050406030204" pitchFamily="18" charset="0"/>
+                        </a:rPr>
+                        <m:t>𝒒</m:t>
+                      </m:r>
+                    </m:oMath>
+                  </m:oMathPara>
+                </a14:m>
+                <a:endParaRPr lang="de-DE" b="1" dirty="0"/>
+              </a:p>
+            </p:txBody>
+          </p:sp>
+        </mc:Choice>
+        <mc:Fallback>
+          <p:sp>
+            <p:nvSpPr>
+              <p:cNvPr id="10" name="Textfeld 9">
+                <a:extLst>
+                  <a:ext uri="{FF2B5EF4-FFF2-40B4-BE49-F238E27FC236}">
+                    <a16:creationId xmlns:a16="http://schemas.microsoft.com/office/drawing/2014/main" id="{065C6F21-9DBB-626D-E478-694F1B7F39B8}"/>
+                  </a:ext>
+                </a:extLst>
+              </p:cNvPr>
+              <p:cNvSpPr txBox="1">
+                <a:spLocks noRot="1" noChangeAspect="1" noMove="1" noResize="1" noEditPoints="1" noAdjustHandles="1" noChangeArrowheads="1" noChangeShapeType="1" noTextEdit="1"/>
+              </p:cNvSpPr>
+              <p:nvPr/>
+            </p:nvSpPr>
+            <p:spPr>
+              <a:xfrm>
+                <a:off x="8675942" y="5112436"/>
+                <a:ext cx="411971" cy="276999"/>
+              </a:xfrm>
+              <a:prstGeom prst="rect">
+                <a:avLst/>
+              </a:prstGeom>
+              <a:blipFill>
+                <a:blip r:embed="rId8"/>
+                <a:stretch>
+                  <a:fillRect l="-14706" t="-4444" r="-14706" b="-26667"/>
+                </a:stretch>
+              </a:blipFill>
+            </p:spPr>
+            <p:txBody>
+              <a:bodyPr/>
+              <a:lstStyle/>
+              <a:p>
+                <a:r>
+                  <a:rPr lang="de-DE">
+                    <a:noFill/>
+                  </a:rPr>
+                  <a:t> </a:t>
+                </a:r>
+              </a:p>
+            </p:txBody>
+          </p:sp>
+        </mc:Fallback>
+      </mc:AlternateContent>
+      <mc:AlternateContent xmlns:mc="http://schemas.openxmlformats.org/markup-compatibility/2006">
+        <mc:Choice xmlns:a14="http://schemas.microsoft.com/office/drawing/2010/main" Requires="a14">
+          <p:sp>
+            <p:nvSpPr>
+              <p:cNvPr id="11" name="Textfeld 10">
+                <a:extLst>
+                  <a:ext uri="{FF2B5EF4-FFF2-40B4-BE49-F238E27FC236}">
+                    <a16:creationId xmlns:a16="http://schemas.microsoft.com/office/drawing/2014/main" id="{CC0923D4-CB53-0479-5A1F-FBC8AC234B65}"/>
+                  </a:ext>
+                </a:extLst>
+              </p:cNvPr>
+              <p:cNvSpPr txBox="1"/>
+              <p:nvPr/>
+            </p:nvSpPr>
+            <p:spPr>
+              <a:xfrm>
+                <a:off x="2899522" y="5103837"/>
+                <a:ext cx="403957" cy="276999"/>
+              </a:xfrm>
+              <a:prstGeom prst="rect">
+                <a:avLst/>
+              </a:prstGeom>
+              <a:noFill/>
+            </p:spPr>
+            <p:txBody>
+              <a:bodyPr wrap="none" lIns="0" tIns="0" rIns="0" bIns="0" rtlCol="0">
+                <a:spAutoFit/>
+              </a:bodyPr>
+              <a:lstStyle/>
+              <a:p>
+                <a14:m>
+                  <m:oMathPara xmlns:m="http://schemas.openxmlformats.org/officeDocument/2006/math">
+                    <m:oMathParaPr>
+                      <m:jc m:val="centerGroup"/>
+                    </m:oMathParaPr>
+                    <m:oMath xmlns:m="http://schemas.openxmlformats.org/officeDocument/2006/math">
+                      <m:r>
+                        <a:rPr lang="de-DE" b="1" i="1" smtClean="0">
+                          <a:latin typeface="Cambria Math" panose="02040503050406030204" pitchFamily="18" charset="0"/>
+                        </a:rPr>
+                        <m:t>𝒗</m:t>
+                      </m:r>
+                      <m:r>
+                        <a:rPr lang="de-DE" b="1" i="1" smtClean="0">
+                          <a:latin typeface="Cambria Math" panose="02040503050406030204" pitchFamily="18" charset="0"/>
+                        </a:rPr>
+                        <m:t>,</m:t>
+                      </m:r>
+                      <m:r>
+                        <a:rPr lang="de-DE" b="1" i="1" smtClean="0">
+                          <a:latin typeface="Cambria Math" panose="02040503050406030204" pitchFamily="18" charset="0"/>
+                        </a:rPr>
+                        <m:t>𝒙</m:t>
+                      </m:r>
+                    </m:oMath>
+                  </m:oMathPara>
+                </a14:m>
+                <a:endParaRPr lang="de-DE" b="1" dirty="0"/>
+              </a:p>
+            </p:txBody>
+          </p:sp>
+        </mc:Choice>
+        <mc:Fallback>
+          <p:sp>
+            <p:nvSpPr>
+              <p:cNvPr id="11" name="Textfeld 10">
+                <a:extLst>
+                  <a:ext uri="{FF2B5EF4-FFF2-40B4-BE49-F238E27FC236}">
+                    <a16:creationId xmlns:a16="http://schemas.microsoft.com/office/drawing/2014/main" id="{CC0923D4-CB53-0479-5A1F-FBC8AC234B65}"/>
+                  </a:ext>
+                </a:extLst>
+              </p:cNvPr>
+              <p:cNvSpPr txBox="1">
+                <a:spLocks noRot="1" noChangeAspect="1" noMove="1" noResize="1" noEditPoints="1" noAdjustHandles="1" noChangeArrowheads="1" noChangeShapeType="1" noTextEdit="1"/>
+              </p:cNvSpPr>
+              <p:nvPr/>
+            </p:nvSpPr>
+            <p:spPr>
+              <a:xfrm>
+                <a:off x="2899522" y="5103837"/>
+                <a:ext cx="403957" cy="276999"/>
+              </a:xfrm>
+              <a:prstGeom prst="rect">
+                <a:avLst/>
+              </a:prstGeom>
+              <a:blipFill>
+                <a:blip r:embed="rId9"/>
+                <a:stretch>
+                  <a:fillRect l="-9091" r="-9091"/>
+                </a:stretch>
+              </a:blipFill>
+            </p:spPr>
+            <p:txBody>
+              <a:bodyPr/>
+              <a:lstStyle/>
+              <a:p>
+                <a:r>
+                  <a:rPr lang="de-DE">
+                    <a:noFill/>
+                  </a:rPr>
+                  <a:t> </a:t>
+                </a:r>
+              </a:p>
+            </p:txBody>
+          </p:sp>
+        </mc:Fallback>
+      </mc:AlternateContent>
+      <mc:AlternateContent xmlns:mc="http://schemas.openxmlformats.org/markup-compatibility/2006">
+        <mc:Choice xmlns:a14="http://schemas.microsoft.com/office/drawing/2010/main" Requires="a14">
+          <p:sp>
+            <p:nvSpPr>
+              <p:cNvPr id="13" name="Textfeld 12">
+                <a:extLst>
+                  <a:ext uri="{FF2B5EF4-FFF2-40B4-BE49-F238E27FC236}">
+                    <a16:creationId xmlns:a16="http://schemas.microsoft.com/office/drawing/2014/main" id="{3345C5D3-9647-7B51-56B1-AB070901488F}"/>
+                  </a:ext>
+                </a:extLst>
+              </p:cNvPr>
+              <p:cNvSpPr txBox="1"/>
+              <p:nvPr/>
+            </p:nvSpPr>
+            <p:spPr>
+              <a:xfrm>
+                <a:off x="109956" y="1812861"/>
+                <a:ext cx="936987" cy="276999"/>
+              </a:xfrm>
+              <a:prstGeom prst="rect">
+                <a:avLst/>
+              </a:prstGeom>
+              <a:noFill/>
+            </p:spPr>
+            <p:txBody>
+              <a:bodyPr wrap="none" lIns="0" tIns="0" rIns="0" bIns="0" rtlCol="0">
+                <a:spAutoFit/>
+              </a:bodyPr>
+              <a:lstStyle/>
+              <a:p>
+                <a14:m>
+                  <m:oMathPara xmlns:m="http://schemas.openxmlformats.org/officeDocument/2006/math">
+                    <m:oMathParaPr>
+                      <m:jc m:val="centerGroup"/>
+                    </m:oMathParaPr>
+                    <m:oMath xmlns:m="http://schemas.openxmlformats.org/officeDocument/2006/math">
+                      <m:sSub>
+                        <m:sSubPr>
+                          <m:ctrlPr>
+                            <a:rPr lang="de-DE" b="1" i="1" smtClean="0">
+                              <a:latin typeface="Cambria Math" panose="02040503050406030204" pitchFamily="18" charset="0"/>
+                            </a:rPr>
+                          </m:ctrlPr>
+                        </m:sSubPr>
+                        <m:e>
+                          <m:acc>
+                            <m:accPr>
+                              <m:chr m:val="̇"/>
+                              <m:ctrlPr>
+                                <a:rPr lang="de-DE" b="1" i="1" smtClean="0">
+                                  <a:latin typeface="Cambria Math" panose="02040503050406030204" pitchFamily="18" charset="0"/>
+                                </a:rPr>
+                              </m:ctrlPr>
+                            </m:accPr>
+                            <m:e>
+                              <m:r>
+                                <a:rPr lang="de-DE" b="1" i="1" smtClean="0">
+                                  <a:latin typeface="Cambria Math" panose="02040503050406030204" pitchFamily="18" charset="0"/>
+                                </a:rPr>
+                                <m:t>𝒗</m:t>
+                              </m:r>
+                            </m:e>
+                          </m:acc>
+                        </m:e>
+                        <m:sub>
+                          <m:r>
+                            <a:rPr lang="de-DE" b="0" i="1" smtClean="0">
+                              <a:latin typeface="Cambria Math" panose="02040503050406030204" pitchFamily="18" charset="0"/>
+                            </a:rPr>
+                            <m:t>𝑟</m:t>
+                          </m:r>
+                        </m:sub>
+                      </m:sSub>
+                      <m:r>
+                        <a:rPr lang="de-DE" b="1" i="1" smtClean="0">
+                          <a:latin typeface="Cambria Math" panose="02040503050406030204" pitchFamily="18" charset="0"/>
+                        </a:rPr>
+                        <m:t>,</m:t>
+                      </m:r>
+                      <m:sSub>
+                        <m:sSubPr>
+                          <m:ctrlPr>
+                            <a:rPr lang="de-DE" b="1" i="1" smtClean="0">
+                              <a:latin typeface="Cambria Math" panose="02040503050406030204" pitchFamily="18" charset="0"/>
+                            </a:rPr>
+                          </m:ctrlPr>
+                        </m:sSubPr>
+                        <m:e>
+                          <m:r>
+                            <a:rPr lang="de-DE" b="1" i="1" smtClean="0">
+                              <a:latin typeface="Cambria Math" panose="02040503050406030204" pitchFamily="18" charset="0"/>
+                            </a:rPr>
+                            <m:t>𝒗</m:t>
+                          </m:r>
+                        </m:e>
+                        <m:sub>
+                          <m:r>
+                            <a:rPr lang="de-DE" b="0" i="1" smtClean="0">
+                              <a:latin typeface="Cambria Math" panose="02040503050406030204" pitchFamily="18" charset="0"/>
+                            </a:rPr>
+                            <m:t>𝑟</m:t>
+                          </m:r>
+                        </m:sub>
+                      </m:sSub>
+                      <m:r>
+                        <a:rPr lang="de-DE" b="1" i="1" smtClean="0">
+                          <a:latin typeface="Cambria Math" panose="02040503050406030204" pitchFamily="18" charset="0"/>
+                        </a:rPr>
+                        <m:t>,</m:t>
+                      </m:r>
+                      <m:sSub>
+                        <m:sSubPr>
+                          <m:ctrlPr>
+                            <a:rPr lang="de-DE" b="1" i="1" smtClean="0">
+                              <a:latin typeface="Cambria Math" panose="02040503050406030204" pitchFamily="18" charset="0"/>
+                            </a:rPr>
+                          </m:ctrlPr>
+                        </m:sSubPr>
+                        <m:e>
+                          <m:r>
+                            <a:rPr lang="de-DE" b="1" i="1" smtClean="0">
+                              <a:latin typeface="Cambria Math" panose="02040503050406030204" pitchFamily="18" charset="0"/>
+                            </a:rPr>
+                            <m:t>𝒙</m:t>
+                          </m:r>
+                        </m:e>
+                        <m:sub>
+                          <m:r>
+                            <a:rPr lang="de-DE" b="0" i="1" smtClean="0">
+                              <a:latin typeface="Cambria Math" panose="02040503050406030204" pitchFamily="18" charset="0"/>
+                            </a:rPr>
+                            <m:t>𝑟</m:t>
+                          </m:r>
+                        </m:sub>
+                      </m:sSub>
+                    </m:oMath>
+                  </m:oMathPara>
+                </a14:m>
+                <a:endParaRPr lang="de-DE" b="1" dirty="0"/>
+              </a:p>
+            </p:txBody>
+          </p:sp>
+        </mc:Choice>
+        <mc:Fallback>
+          <p:sp>
+            <p:nvSpPr>
+              <p:cNvPr id="13" name="Textfeld 12">
+                <a:extLst>
+                  <a:ext uri="{FF2B5EF4-FFF2-40B4-BE49-F238E27FC236}">
+                    <a16:creationId xmlns:a16="http://schemas.microsoft.com/office/drawing/2014/main" id="{3345C5D3-9647-7B51-56B1-AB070901488F}"/>
+                  </a:ext>
+                </a:extLst>
+              </p:cNvPr>
+              <p:cNvSpPr txBox="1">
+                <a:spLocks noRot="1" noChangeAspect="1" noMove="1" noResize="1" noEditPoints="1" noAdjustHandles="1" noChangeArrowheads="1" noChangeShapeType="1" noTextEdit="1"/>
+              </p:cNvSpPr>
+              <p:nvPr/>
+            </p:nvSpPr>
+            <p:spPr>
+              <a:xfrm>
+                <a:off x="109956" y="1812861"/>
+                <a:ext cx="936987" cy="276999"/>
+              </a:xfrm>
+              <a:prstGeom prst="rect">
+                <a:avLst/>
+              </a:prstGeom>
+              <a:blipFill>
+                <a:blip r:embed="rId10"/>
+                <a:stretch>
+                  <a:fillRect l="-3896" t="-2174" r="-1299" b="-10870"/>
+                </a:stretch>
+              </a:blipFill>
+            </p:spPr>
+            <p:txBody>
+              <a:bodyPr/>
+              <a:lstStyle/>
+              <a:p>
+                <a:r>
+                  <a:rPr lang="de-DE">
+                    <a:noFill/>
+                  </a:rPr>
+                  <a:t> </a:t>
+                </a:r>
+              </a:p>
+            </p:txBody>
+          </p:sp>
+        </mc:Fallback>
+      </mc:AlternateContent>
     </p:spTree>
     <p:extLst>
       <p:ext uri="{BB962C8B-B14F-4D97-AF65-F5344CB8AC3E}">
